--- a/docs/images/diagrams.pptx
+++ b/docs/images/diagrams.pptx
@@ -8,6 +8,9 @@
     <p:sldId id="256" r:id="rId2"/>
     <p:sldId id="259" r:id="rId3"/>
     <p:sldId id="257" r:id="rId4"/>
+    <p:sldId id="260" r:id="rId5"/>
+    <p:sldId id="261" r:id="rId6"/>
+    <p:sldId id="262" r:id="rId7"/>
   </p:sldIdLst>
   <p:sldSz cx="9144000" cy="6858000" type="screen4x3"/>
   <p:notesSz cx="6858000" cy="9144000"/>
@@ -106,6 +109,11 @@
       </a:defRPr>
     </a:lvl9pPr>
   </p:defaultTextStyle>
+  <p:extLst>
+    <p:ext uri="{EFAFB233-063F-42B5-8137-9DF3F51BA10A}">
+      <p15:sldGuideLst xmlns:p15="http://schemas.microsoft.com/office/powerpoint/2012/main"/>
+    </p:ext>
+  </p:extLst>
 </p:presentation>
 </file>
 
@@ -240,7 +248,7 @@
           <a:p>
             <a:fld id="{DBA6EBE4-7063-3447-8B6C-320D7C69E637}" type="datetimeFigureOut">
               <a:rPr lang="en-US" smtClean="0"/>
-              <a:t>2/13/16</a:t>
+              <a:t>3/2/16</a:t>
             </a:fld>
             <a:endParaRPr lang="en-US"/>
           </a:p>
@@ -410,7 +418,7 @@
           <a:p>
             <a:fld id="{DBA6EBE4-7063-3447-8B6C-320D7C69E637}" type="datetimeFigureOut">
               <a:rPr lang="en-US" smtClean="0"/>
-              <a:t>2/13/16</a:t>
+              <a:t>3/2/16</a:t>
             </a:fld>
             <a:endParaRPr lang="en-US"/>
           </a:p>
@@ -590,7 +598,7 @@
           <a:p>
             <a:fld id="{DBA6EBE4-7063-3447-8B6C-320D7C69E637}" type="datetimeFigureOut">
               <a:rPr lang="en-US" smtClean="0"/>
-              <a:t>2/13/16</a:t>
+              <a:t>3/2/16</a:t>
             </a:fld>
             <a:endParaRPr lang="en-US"/>
           </a:p>
@@ -760,7 +768,7 @@
           <a:p>
             <a:fld id="{DBA6EBE4-7063-3447-8B6C-320D7C69E637}" type="datetimeFigureOut">
               <a:rPr lang="en-US" smtClean="0"/>
-              <a:t>2/13/16</a:t>
+              <a:t>3/2/16</a:t>
             </a:fld>
             <a:endParaRPr lang="en-US"/>
           </a:p>
@@ -1004,7 +1012,7 @@
           <a:p>
             <a:fld id="{DBA6EBE4-7063-3447-8B6C-320D7C69E637}" type="datetimeFigureOut">
               <a:rPr lang="en-US" smtClean="0"/>
-              <a:t>2/13/16</a:t>
+              <a:t>3/2/16</a:t>
             </a:fld>
             <a:endParaRPr lang="en-US"/>
           </a:p>
@@ -1236,7 +1244,7 @@
           <a:p>
             <a:fld id="{DBA6EBE4-7063-3447-8B6C-320D7C69E637}" type="datetimeFigureOut">
               <a:rPr lang="en-US" smtClean="0"/>
-              <a:t>2/13/16</a:t>
+              <a:t>3/2/16</a:t>
             </a:fld>
             <a:endParaRPr lang="en-US"/>
           </a:p>
@@ -1603,7 +1611,7 @@
           <a:p>
             <a:fld id="{DBA6EBE4-7063-3447-8B6C-320D7C69E637}" type="datetimeFigureOut">
               <a:rPr lang="en-US" smtClean="0"/>
-              <a:t>2/13/16</a:t>
+              <a:t>3/2/16</a:t>
             </a:fld>
             <a:endParaRPr lang="en-US"/>
           </a:p>
@@ -1721,7 +1729,7 @@
           <a:p>
             <a:fld id="{DBA6EBE4-7063-3447-8B6C-320D7C69E637}" type="datetimeFigureOut">
               <a:rPr lang="en-US" smtClean="0"/>
-              <a:t>2/13/16</a:t>
+              <a:t>3/2/16</a:t>
             </a:fld>
             <a:endParaRPr lang="en-US"/>
           </a:p>
@@ -1816,7 +1824,7 @@
           <a:p>
             <a:fld id="{DBA6EBE4-7063-3447-8B6C-320D7C69E637}" type="datetimeFigureOut">
               <a:rPr lang="en-US" smtClean="0"/>
-              <a:t>2/13/16</a:t>
+              <a:t>3/2/16</a:t>
             </a:fld>
             <a:endParaRPr lang="en-US"/>
           </a:p>
@@ -2093,7 +2101,7 @@
           <a:p>
             <a:fld id="{DBA6EBE4-7063-3447-8B6C-320D7C69E637}" type="datetimeFigureOut">
               <a:rPr lang="en-US" smtClean="0"/>
-              <a:t>2/13/16</a:t>
+              <a:t>3/2/16</a:t>
             </a:fld>
             <a:endParaRPr lang="en-US"/>
           </a:p>
@@ -2350,7 +2358,7 @@
           <a:p>
             <a:fld id="{DBA6EBE4-7063-3447-8B6C-320D7C69E637}" type="datetimeFigureOut">
               <a:rPr lang="en-US" smtClean="0"/>
-              <a:t>2/13/16</a:t>
+              <a:t>3/2/16</a:t>
             </a:fld>
             <a:endParaRPr lang="en-US"/>
           </a:p>
@@ -2563,7 +2571,7 @@
           <a:p>
             <a:fld id="{DBA6EBE4-7063-3447-8B6C-320D7C69E637}" type="datetimeFigureOut">
               <a:rPr lang="en-US" smtClean="0"/>
-              <a:t>2/13/16</a:t>
+              <a:t>3/2/16</a:t>
             </a:fld>
             <a:endParaRPr lang="en-US"/>
           </a:p>
@@ -5304,6 +5312,2941 @@
 </p:sld>
 </file>
 
+<file path=ppt/slides/slide4.xml><?xml version="1.0" encoding="utf-8"?>
+<p:sld xmlns:a="http://schemas.openxmlformats.org/drawingml/2006/main" xmlns:r="http://schemas.openxmlformats.org/officeDocument/2006/relationships" xmlns:p="http://schemas.openxmlformats.org/presentationml/2006/main">
+  <p:cSld>
+    <p:spTree>
+      <p:nvGrpSpPr>
+        <p:cNvPr id="1" name=""/>
+        <p:cNvGrpSpPr/>
+        <p:nvPr/>
+      </p:nvGrpSpPr>
+      <p:grpSpPr>
+        <a:xfrm>
+          <a:off x="0" y="0"/>
+          <a:ext cx="0" cy="0"/>
+          <a:chOff x="0" y="0"/>
+          <a:chExt cx="0" cy="0"/>
+        </a:xfrm>
+      </p:grpSpPr>
+      <p:sp>
+        <p:nvSpPr>
+          <p:cNvPr id="4" name="TextBox 3"/>
+          <p:cNvSpPr txBox="1"/>
+          <p:nvPr/>
+        </p:nvSpPr>
+        <p:spPr>
+          <a:xfrm>
+            <a:off x="2508008" y="2697033"/>
+            <a:ext cx="985286" cy="508307"/>
+          </a:xfrm>
+          <a:prstGeom prst="rect">
+            <a:avLst/>
+          </a:prstGeom>
+          <a:ln w="19050"/>
+        </p:spPr>
+        <p:style>
+          <a:lnRef idx="2">
+            <a:schemeClr val="accent1"/>
+          </a:lnRef>
+          <a:fillRef idx="1">
+            <a:schemeClr val="lt1"/>
+          </a:fillRef>
+          <a:effectRef idx="0">
+            <a:schemeClr val="accent1"/>
+          </a:effectRef>
+          <a:fontRef idx="minor">
+            <a:schemeClr val="dk1"/>
+          </a:fontRef>
+        </p:style>
+        <p:txBody>
+          <a:bodyPr wrap="square" rtlCol="0" anchor="ctr">
+            <a:noAutofit/>
+          </a:bodyPr>
+          <a:lstStyle/>
+          <a:p>
+            <a:pPr algn="ctr"/>
+            <a:r>
+              <a:rPr lang="en-US" dirty="0" smtClean="0">
+                <a:latin typeface="Times New Roman" charset="0"/>
+                <a:ea typeface="Times New Roman" charset="0"/>
+                <a:cs typeface="Times New Roman" charset="0"/>
+              </a:rPr>
+              <a:t>A</a:t>
+            </a:r>
+            <a:endParaRPr lang="en-US" dirty="0">
+              <a:latin typeface="Times New Roman" charset="0"/>
+              <a:ea typeface="Times New Roman" charset="0"/>
+              <a:cs typeface="Times New Roman" charset="0"/>
+            </a:endParaRPr>
+          </a:p>
+        </p:txBody>
+      </p:sp>
+      <p:sp>
+        <p:nvSpPr>
+          <p:cNvPr id="5" name="TextBox 4"/>
+          <p:cNvSpPr txBox="1"/>
+          <p:nvPr/>
+        </p:nvSpPr>
+        <p:spPr>
+          <a:xfrm>
+            <a:off x="4108208" y="2292042"/>
+            <a:ext cx="985286" cy="508307"/>
+          </a:xfrm>
+          <a:prstGeom prst="rect">
+            <a:avLst/>
+          </a:prstGeom>
+          <a:ln w="19050"/>
+        </p:spPr>
+        <p:style>
+          <a:lnRef idx="2">
+            <a:schemeClr val="accent1"/>
+          </a:lnRef>
+          <a:fillRef idx="1">
+            <a:schemeClr val="lt1"/>
+          </a:fillRef>
+          <a:effectRef idx="0">
+            <a:schemeClr val="accent1"/>
+          </a:effectRef>
+          <a:fontRef idx="minor">
+            <a:schemeClr val="dk1"/>
+          </a:fontRef>
+        </p:style>
+        <p:txBody>
+          <a:bodyPr wrap="square" rtlCol="0" anchor="ctr">
+            <a:noAutofit/>
+          </a:bodyPr>
+          <a:lstStyle/>
+          <a:p>
+            <a:pPr algn="ctr"/>
+            <a:r>
+              <a:rPr lang="en-US" dirty="0" smtClean="0">
+                <a:latin typeface="Times New Roman" charset="0"/>
+                <a:ea typeface="Times New Roman" charset="0"/>
+                <a:cs typeface="Times New Roman" charset="0"/>
+              </a:rPr>
+              <a:t>B</a:t>
+            </a:r>
+            <a:endParaRPr lang="en-US" dirty="0">
+              <a:latin typeface="Times New Roman" charset="0"/>
+              <a:ea typeface="Times New Roman" charset="0"/>
+              <a:cs typeface="Times New Roman" charset="0"/>
+            </a:endParaRPr>
+          </a:p>
+        </p:txBody>
+      </p:sp>
+      <p:sp>
+        <p:nvSpPr>
+          <p:cNvPr id="6" name="TextBox 5"/>
+          <p:cNvSpPr txBox="1"/>
+          <p:nvPr/>
+        </p:nvSpPr>
+        <p:spPr>
+          <a:xfrm>
+            <a:off x="5708408" y="2292042"/>
+            <a:ext cx="985286" cy="508307"/>
+          </a:xfrm>
+          <a:prstGeom prst="rect">
+            <a:avLst/>
+          </a:prstGeom>
+          <a:ln w="19050"/>
+        </p:spPr>
+        <p:style>
+          <a:lnRef idx="2">
+            <a:schemeClr val="accent1"/>
+          </a:lnRef>
+          <a:fillRef idx="1">
+            <a:schemeClr val="lt1"/>
+          </a:fillRef>
+          <a:effectRef idx="0">
+            <a:schemeClr val="accent1"/>
+          </a:effectRef>
+          <a:fontRef idx="minor">
+            <a:schemeClr val="dk1"/>
+          </a:fontRef>
+        </p:style>
+        <p:txBody>
+          <a:bodyPr wrap="square" rtlCol="0" anchor="ctr">
+            <a:noAutofit/>
+          </a:bodyPr>
+          <a:lstStyle/>
+          <a:p>
+            <a:pPr algn="ctr"/>
+            <a:r>
+              <a:rPr lang="en-US" dirty="0" smtClean="0">
+                <a:latin typeface="Times New Roman" charset="0"/>
+                <a:ea typeface="Times New Roman" charset="0"/>
+                <a:cs typeface="Times New Roman" charset="0"/>
+              </a:rPr>
+              <a:t>D</a:t>
+            </a:r>
+            <a:endParaRPr lang="en-US" dirty="0">
+              <a:latin typeface="Times New Roman" charset="0"/>
+              <a:ea typeface="Times New Roman" charset="0"/>
+              <a:cs typeface="Times New Roman" charset="0"/>
+            </a:endParaRPr>
+          </a:p>
+        </p:txBody>
+      </p:sp>
+      <p:sp>
+        <p:nvSpPr>
+          <p:cNvPr id="7" name="TextBox 6"/>
+          <p:cNvSpPr txBox="1"/>
+          <p:nvPr/>
+        </p:nvSpPr>
+        <p:spPr>
+          <a:xfrm>
+            <a:off x="4108208" y="3135005"/>
+            <a:ext cx="985286" cy="508307"/>
+          </a:xfrm>
+          <a:prstGeom prst="rect">
+            <a:avLst/>
+          </a:prstGeom>
+          <a:ln w="19050"/>
+        </p:spPr>
+        <p:style>
+          <a:lnRef idx="2">
+            <a:schemeClr val="accent1"/>
+          </a:lnRef>
+          <a:fillRef idx="1">
+            <a:schemeClr val="lt1"/>
+          </a:fillRef>
+          <a:effectRef idx="0">
+            <a:schemeClr val="accent1"/>
+          </a:effectRef>
+          <a:fontRef idx="minor">
+            <a:schemeClr val="dk1"/>
+          </a:fontRef>
+        </p:style>
+        <p:txBody>
+          <a:bodyPr wrap="square" rtlCol="0" anchor="ctr">
+            <a:noAutofit/>
+          </a:bodyPr>
+          <a:lstStyle/>
+          <a:p>
+            <a:pPr algn="ctr"/>
+            <a:r>
+              <a:rPr lang="en-US" dirty="0">
+                <a:latin typeface="Times New Roman" charset="0"/>
+                <a:ea typeface="Times New Roman" charset="0"/>
+                <a:cs typeface="Times New Roman" charset="0"/>
+              </a:rPr>
+              <a:t>C</a:t>
+            </a:r>
+            <a:endParaRPr lang="en-US" dirty="0">
+              <a:latin typeface="Times New Roman" charset="0"/>
+              <a:ea typeface="Times New Roman" charset="0"/>
+              <a:cs typeface="Times New Roman" charset="0"/>
+            </a:endParaRPr>
+          </a:p>
+        </p:txBody>
+      </p:sp>
+      <p:cxnSp>
+        <p:nvCxnSpPr>
+          <p:cNvPr id="8" name="Straight Arrow Connector 7"/>
+          <p:cNvCxnSpPr>
+            <a:stCxn id="4" idx="3"/>
+            <a:endCxn id="5" idx="1"/>
+          </p:cNvCxnSpPr>
+          <p:nvPr/>
+        </p:nvCxnSpPr>
+        <p:spPr>
+          <a:xfrm flipV="1">
+            <a:off x="3493294" y="2546196"/>
+            <a:ext cx="614914" cy="404991"/>
+          </a:xfrm>
+          <a:prstGeom prst="straightConnector1">
+            <a:avLst/>
+          </a:prstGeom>
+          <a:ln>
+            <a:solidFill>
+              <a:srgbClr val="7030A0"/>
+            </a:solidFill>
+            <a:tailEnd type="triangle"/>
+          </a:ln>
+          <a:effectLst/>
+        </p:spPr>
+        <p:style>
+          <a:lnRef idx="1">
+            <a:schemeClr val="accent1"/>
+          </a:lnRef>
+          <a:fillRef idx="0">
+            <a:schemeClr val="accent1"/>
+          </a:fillRef>
+          <a:effectRef idx="0">
+            <a:schemeClr val="accent1"/>
+          </a:effectRef>
+          <a:fontRef idx="minor">
+            <a:schemeClr val="tx1"/>
+          </a:fontRef>
+        </p:style>
+      </p:cxnSp>
+      <p:cxnSp>
+        <p:nvCxnSpPr>
+          <p:cNvPr id="11" name="Straight Arrow Connector 10"/>
+          <p:cNvCxnSpPr>
+            <a:stCxn id="4" idx="3"/>
+            <a:endCxn id="7" idx="1"/>
+          </p:cNvCxnSpPr>
+          <p:nvPr/>
+        </p:nvCxnSpPr>
+        <p:spPr>
+          <a:xfrm>
+            <a:off x="3493294" y="2951187"/>
+            <a:ext cx="614914" cy="437972"/>
+          </a:xfrm>
+          <a:prstGeom prst="straightConnector1">
+            <a:avLst/>
+          </a:prstGeom>
+          <a:ln>
+            <a:solidFill>
+              <a:srgbClr val="7030A0"/>
+            </a:solidFill>
+            <a:tailEnd type="triangle"/>
+          </a:ln>
+          <a:effectLst/>
+        </p:spPr>
+        <p:style>
+          <a:lnRef idx="1">
+            <a:schemeClr val="accent1"/>
+          </a:lnRef>
+          <a:fillRef idx="0">
+            <a:schemeClr val="accent1"/>
+          </a:fillRef>
+          <a:effectRef idx="0">
+            <a:schemeClr val="accent1"/>
+          </a:effectRef>
+          <a:fontRef idx="minor">
+            <a:schemeClr val="tx1"/>
+          </a:fontRef>
+        </p:style>
+      </p:cxnSp>
+      <p:cxnSp>
+        <p:nvCxnSpPr>
+          <p:cNvPr id="16" name="Straight Arrow Connector 15"/>
+          <p:cNvCxnSpPr>
+            <a:stCxn id="5" idx="3"/>
+            <a:endCxn id="6" idx="1"/>
+          </p:cNvCxnSpPr>
+          <p:nvPr/>
+        </p:nvCxnSpPr>
+        <p:spPr>
+          <a:xfrm>
+            <a:off x="5093494" y="2546196"/>
+            <a:ext cx="614914" cy="0"/>
+          </a:xfrm>
+          <a:prstGeom prst="straightConnector1">
+            <a:avLst/>
+          </a:prstGeom>
+          <a:ln>
+            <a:solidFill>
+              <a:srgbClr val="7030A0"/>
+            </a:solidFill>
+            <a:tailEnd type="triangle"/>
+          </a:ln>
+          <a:effectLst/>
+        </p:spPr>
+        <p:style>
+          <a:lnRef idx="1">
+            <a:schemeClr val="accent1"/>
+          </a:lnRef>
+          <a:fillRef idx="0">
+            <a:schemeClr val="accent1"/>
+          </a:fillRef>
+          <a:effectRef idx="0">
+            <a:schemeClr val="accent1"/>
+          </a:effectRef>
+          <a:fontRef idx="minor">
+            <a:schemeClr val="tx1"/>
+          </a:fontRef>
+        </p:style>
+      </p:cxnSp>
+      <p:sp>
+        <p:nvSpPr>
+          <p:cNvPr id="22" name="Freeform 21"/>
+          <p:cNvSpPr/>
+          <p:nvPr/>
+        </p:nvSpPr>
+        <p:spPr>
+          <a:xfrm>
+            <a:off x="2250281" y="2393032"/>
+            <a:ext cx="4929747" cy="493954"/>
+          </a:xfrm>
+          <a:custGeom>
+            <a:avLst/>
+            <a:gdLst>
+              <a:gd name="connsiteX0" fmla="*/ 0 w 4207669"/>
+              <a:gd name="connsiteY0" fmla="*/ 328612 h 372040"/>
+              <a:gd name="connsiteX1" fmla="*/ 1621632 w 4207669"/>
+              <a:gd name="connsiteY1" fmla="*/ 350044 h 372040"/>
+              <a:gd name="connsiteX2" fmla="*/ 2457450 w 4207669"/>
+              <a:gd name="connsiteY2" fmla="*/ 57150 h 372040"/>
+              <a:gd name="connsiteX3" fmla="*/ 4207669 w 4207669"/>
+              <a:gd name="connsiteY3" fmla="*/ 0 h 372040"/>
+              <a:gd name="connsiteX0" fmla="*/ 0 w 4200526"/>
+              <a:gd name="connsiteY0" fmla="*/ 385762 h 403583"/>
+              <a:gd name="connsiteX1" fmla="*/ 1614489 w 4200526"/>
+              <a:gd name="connsiteY1" fmla="*/ 350044 h 403583"/>
+              <a:gd name="connsiteX2" fmla="*/ 2450307 w 4200526"/>
+              <a:gd name="connsiteY2" fmla="*/ 57150 h 403583"/>
+              <a:gd name="connsiteX3" fmla="*/ 4200526 w 4200526"/>
+              <a:gd name="connsiteY3" fmla="*/ 0 h 403583"/>
+              <a:gd name="connsiteX0" fmla="*/ 0 w 4200526"/>
+              <a:gd name="connsiteY0" fmla="*/ 385762 h 385762"/>
+              <a:gd name="connsiteX1" fmla="*/ 1614489 w 4200526"/>
+              <a:gd name="connsiteY1" fmla="*/ 350044 h 385762"/>
+              <a:gd name="connsiteX2" fmla="*/ 2450307 w 4200526"/>
+              <a:gd name="connsiteY2" fmla="*/ 57150 h 385762"/>
+              <a:gd name="connsiteX3" fmla="*/ 4200526 w 4200526"/>
+              <a:gd name="connsiteY3" fmla="*/ 0 h 385762"/>
+              <a:gd name="connsiteX0" fmla="*/ 0 w 4200526"/>
+              <a:gd name="connsiteY0" fmla="*/ 385762 h 385762"/>
+              <a:gd name="connsiteX1" fmla="*/ 1614489 w 4200526"/>
+              <a:gd name="connsiteY1" fmla="*/ 350044 h 385762"/>
+              <a:gd name="connsiteX2" fmla="*/ 2450307 w 4200526"/>
+              <a:gd name="connsiteY2" fmla="*/ 57150 h 385762"/>
+              <a:gd name="connsiteX3" fmla="*/ 4200526 w 4200526"/>
+              <a:gd name="connsiteY3" fmla="*/ 0 h 385762"/>
+              <a:gd name="connsiteX0" fmla="*/ 0 w 4207669"/>
+              <a:gd name="connsiteY0" fmla="*/ 357187 h 373683"/>
+              <a:gd name="connsiteX1" fmla="*/ 1621632 w 4207669"/>
+              <a:gd name="connsiteY1" fmla="*/ 350044 h 373683"/>
+              <a:gd name="connsiteX2" fmla="*/ 2457450 w 4207669"/>
+              <a:gd name="connsiteY2" fmla="*/ 57150 h 373683"/>
+              <a:gd name="connsiteX3" fmla="*/ 4207669 w 4207669"/>
+              <a:gd name="connsiteY3" fmla="*/ 0 h 373683"/>
+              <a:gd name="connsiteX0" fmla="*/ 0 w 4207669"/>
+              <a:gd name="connsiteY0" fmla="*/ 371474 h 379755"/>
+              <a:gd name="connsiteX1" fmla="*/ 1621632 w 4207669"/>
+              <a:gd name="connsiteY1" fmla="*/ 350044 h 379755"/>
+              <a:gd name="connsiteX2" fmla="*/ 2457450 w 4207669"/>
+              <a:gd name="connsiteY2" fmla="*/ 57150 h 379755"/>
+              <a:gd name="connsiteX3" fmla="*/ 4207669 w 4207669"/>
+              <a:gd name="connsiteY3" fmla="*/ 0 h 379755"/>
+              <a:gd name="connsiteX0" fmla="*/ 0 w 4207669"/>
+              <a:gd name="connsiteY0" fmla="*/ 385761 h 387953"/>
+              <a:gd name="connsiteX1" fmla="*/ 1621632 w 4207669"/>
+              <a:gd name="connsiteY1" fmla="*/ 350044 h 387953"/>
+              <a:gd name="connsiteX2" fmla="*/ 2457450 w 4207669"/>
+              <a:gd name="connsiteY2" fmla="*/ 57150 h 387953"/>
+              <a:gd name="connsiteX3" fmla="*/ 4207669 w 4207669"/>
+              <a:gd name="connsiteY3" fmla="*/ 0 h 387953"/>
+              <a:gd name="connsiteX0" fmla="*/ 0 w 4207669"/>
+              <a:gd name="connsiteY0" fmla="*/ 385761 h 418909"/>
+              <a:gd name="connsiteX1" fmla="*/ 1137909 w 4207669"/>
+              <a:gd name="connsiteY1" fmla="*/ 397752 h 418909"/>
+              <a:gd name="connsiteX2" fmla="*/ 2457450 w 4207669"/>
+              <a:gd name="connsiteY2" fmla="*/ 57150 h 418909"/>
+              <a:gd name="connsiteX3" fmla="*/ 4207669 w 4207669"/>
+              <a:gd name="connsiteY3" fmla="*/ 0 h 418909"/>
+              <a:gd name="connsiteX0" fmla="*/ 0 w 4207669"/>
+              <a:gd name="connsiteY0" fmla="*/ 385761 h 418909"/>
+              <a:gd name="connsiteX1" fmla="*/ 1137909 w 4207669"/>
+              <a:gd name="connsiteY1" fmla="*/ 397752 h 418909"/>
+              <a:gd name="connsiteX2" fmla="*/ 1980354 w 4207669"/>
+              <a:gd name="connsiteY2" fmla="*/ 57150 h 418909"/>
+              <a:gd name="connsiteX3" fmla="*/ 4207669 w 4207669"/>
+              <a:gd name="connsiteY3" fmla="*/ 0 h 418909"/>
+              <a:gd name="connsiteX0" fmla="*/ 0 w 4207669"/>
+              <a:gd name="connsiteY0" fmla="*/ 407253 h 443884"/>
+              <a:gd name="connsiteX1" fmla="*/ 1137909 w 4207669"/>
+              <a:gd name="connsiteY1" fmla="*/ 419244 h 443884"/>
+              <a:gd name="connsiteX2" fmla="*/ 1973727 w 4207669"/>
+              <a:gd name="connsiteY2" fmla="*/ 30935 h 443884"/>
+              <a:gd name="connsiteX3" fmla="*/ 4207669 w 4207669"/>
+              <a:gd name="connsiteY3" fmla="*/ 21492 h 443884"/>
+              <a:gd name="connsiteX0" fmla="*/ 0 w 4234174"/>
+              <a:gd name="connsiteY0" fmla="*/ 457323 h 493954"/>
+              <a:gd name="connsiteX1" fmla="*/ 1137909 w 4234174"/>
+              <a:gd name="connsiteY1" fmla="*/ 469314 h 493954"/>
+              <a:gd name="connsiteX2" fmla="*/ 1973727 w 4234174"/>
+              <a:gd name="connsiteY2" fmla="*/ 81005 h 493954"/>
+              <a:gd name="connsiteX3" fmla="*/ 4234174 w 4234174"/>
+              <a:gd name="connsiteY3" fmla="*/ 0 h 493954"/>
+              <a:gd name="connsiteX0" fmla="*/ 0 w 4108274"/>
+              <a:gd name="connsiteY0" fmla="*/ 457323 h 493954"/>
+              <a:gd name="connsiteX1" fmla="*/ 1137909 w 4108274"/>
+              <a:gd name="connsiteY1" fmla="*/ 469314 h 493954"/>
+              <a:gd name="connsiteX2" fmla="*/ 1973727 w 4108274"/>
+              <a:gd name="connsiteY2" fmla="*/ 81005 h 493954"/>
+              <a:gd name="connsiteX3" fmla="*/ 4108274 w 4108274"/>
+              <a:gd name="connsiteY3" fmla="*/ 0 h 493954"/>
+            </a:gdLst>
+            <a:ahLst/>
+            <a:cxnLst>
+              <a:cxn ang="0">
+                <a:pos x="connsiteX0" y="connsiteY0"/>
+              </a:cxn>
+              <a:cxn ang="0">
+                <a:pos x="connsiteX1" y="connsiteY1"/>
+              </a:cxn>
+              <a:cxn ang="0">
+                <a:pos x="connsiteX2" y="connsiteY2"/>
+              </a:cxn>
+              <a:cxn ang="0">
+                <a:pos x="connsiteX3" y="connsiteY3"/>
+              </a:cxn>
+            </a:cxnLst>
+            <a:rect l="l" t="t" r="r" b="b"/>
+            <a:pathLst>
+              <a:path w="4108274" h="493954">
+                <a:moveTo>
+                  <a:pt x="0" y="457323"/>
+                </a:moveTo>
+                <a:cubicBezTo>
+                  <a:pt x="540544" y="454942"/>
+                  <a:pt x="808955" y="532034"/>
+                  <a:pt x="1137909" y="469314"/>
+                </a:cubicBezTo>
+                <a:cubicBezTo>
+                  <a:pt x="1466863" y="406594"/>
+                  <a:pt x="1478666" y="159224"/>
+                  <a:pt x="1973727" y="81005"/>
+                </a:cubicBezTo>
+                <a:cubicBezTo>
+                  <a:pt x="2468788" y="2786"/>
+                  <a:pt x="3817762" y="4762"/>
+                  <a:pt x="4108274" y="0"/>
+                </a:cubicBezTo>
+              </a:path>
+            </a:pathLst>
+          </a:custGeom>
+          <a:noFill/>
+          <a:ln w="76200">
+            <a:solidFill>
+              <a:srgbClr val="FF0000"/>
+            </a:solidFill>
+            <a:tailEnd type="triangle"/>
+          </a:ln>
+        </p:spPr>
+        <p:style>
+          <a:lnRef idx="2">
+            <a:schemeClr val="accent1">
+              <a:shade val="50000"/>
+            </a:schemeClr>
+          </a:lnRef>
+          <a:fillRef idx="1">
+            <a:schemeClr val="accent1"/>
+          </a:fillRef>
+          <a:effectRef idx="0">
+            <a:schemeClr val="accent1"/>
+          </a:effectRef>
+          <a:fontRef idx="minor">
+            <a:schemeClr val="lt1"/>
+          </a:fontRef>
+        </p:style>
+        <p:txBody>
+          <a:bodyPr rtlCol="0" anchor="ctr"/>
+          <a:lstStyle/>
+          <a:p>
+            <a:pPr algn="ctr"/>
+            <a:endParaRPr lang="en-US"/>
+          </a:p>
+        </p:txBody>
+      </p:sp>
+      <p:grpSp>
+        <p:nvGrpSpPr>
+          <p:cNvPr id="28" name="Group 27"/>
+          <p:cNvGrpSpPr/>
+          <p:nvPr/>
+        </p:nvGrpSpPr>
+        <p:grpSpPr>
+          <a:xfrm>
+            <a:off x="5876015" y="2227841"/>
+            <a:ext cx="930302" cy="271733"/>
+            <a:chOff x="6066846" y="3253291"/>
+            <a:chExt cx="930302" cy="271733"/>
+          </a:xfrm>
+        </p:grpSpPr>
+        <p:sp>
+          <p:nvSpPr>
+            <p:cNvPr id="23" name="TextBox 22"/>
+            <p:cNvSpPr txBox="1"/>
+            <p:nvPr/>
+          </p:nvSpPr>
+          <p:spPr>
+            <a:xfrm>
+              <a:off x="6066846" y="3253291"/>
+              <a:ext cx="930302" cy="271733"/>
+            </a:xfrm>
+            <a:prstGeom prst="rect">
+              <a:avLst/>
+            </a:prstGeom>
+            <a:ln w="19050">
+              <a:solidFill>
+                <a:schemeClr val="accent6"/>
+              </a:solidFill>
+            </a:ln>
+          </p:spPr>
+          <p:style>
+            <a:lnRef idx="2">
+              <a:schemeClr val="accent1"/>
+            </a:lnRef>
+            <a:fillRef idx="1">
+              <a:schemeClr val="lt1"/>
+            </a:fillRef>
+            <a:effectRef idx="0">
+              <a:schemeClr val="accent1"/>
+            </a:effectRef>
+            <a:fontRef idx="minor">
+              <a:schemeClr val="dk1"/>
+            </a:fontRef>
+          </p:style>
+          <p:txBody>
+            <a:bodyPr wrap="square" rtlCol="0" anchor="ctr">
+              <a:spAutoFit/>
+            </a:bodyPr>
+            <a:lstStyle/>
+            <a:p>
+              <a:pPr algn="ctr"/>
+              <a:endParaRPr lang="en-US" dirty="0">
+                <a:latin typeface="Times New Roman" charset="0"/>
+                <a:ea typeface="Times New Roman" charset="0"/>
+                <a:cs typeface="Times New Roman" charset="0"/>
+              </a:endParaRPr>
+            </a:p>
+          </p:txBody>
+        </p:sp>
+        <p:sp>
+          <p:nvSpPr>
+            <p:cNvPr id="24" name="TextBox 23"/>
+            <p:cNvSpPr txBox="1"/>
+            <p:nvPr/>
+          </p:nvSpPr>
+          <p:spPr>
+            <a:xfrm>
+              <a:off x="6141471" y="3295010"/>
+              <a:ext cx="126145" cy="188298"/>
+            </a:xfrm>
+            <a:prstGeom prst="rect">
+              <a:avLst/>
+            </a:prstGeom>
+            <a:ln/>
+          </p:spPr>
+          <p:style>
+            <a:lnRef idx="2">
+              <a:schemeClr val="accent2">
+                <a:shade val="50000"/>
+              </a:schemeClr>
+            </a:lnRef>
+            <a:fillRef idx="1">
+              <a:schemeClr val="accent2"/>
+            </a:fillRef>
+            <a:effectRef idx="0">
+              <a:schemeClr val="accent2"/>
+            </a:effectRef>
+            <a:fontRef idx="minor">
+              <a:schemeClr val="lt1"/>
+            </a:fontRef>
+          </p:style>
+          <p:txBody>
+            <a:bodyPr wrap="square" rtlCol="0" anchor="ctr">
+              <a:spAutoFit/>
+            </a:bodyPr>
+            <a:lstStyle/>
+            <a:p>
+              <a:pPr algn="ctr"/>
+              <a:endParaRPr lang="en-US" dirty="0">
+                <a:latin typeface="Times New Roman" charset="0"/>
+                <a:ea typeface="Times New Roman" charset="0"/>
+                <a:cs typeface="Times New Roman" charset="0"/>
+              </a:endParaRPr>
+            </a:p>
+          </p:txBody>
+        </p:sp>
+        <p:sp>
+          <p:nvSpPr>
+            <p:cNvPr id="25" name="TextBox 24"/>
+            <p:cNvSpPr txBox="1"/>
+            <p:nvPr/>
+          </p:nvSpPr>
+          <p:spPr>
+            <a:xfrm>
+              <a:off x="6304521" y="3295010"/>
+              <a:ext cx="126145" cy="188298"/>
+            </a:xfrm>
+            <a:prstGeom prst="rect">
+              <a:avLst/>
+            </a:prstGeom>
+            <a:ln/>
+          </p:spPr>
+          <p:style>
+            <a:lnRef idx="2">
+              <a:schemeClr val="accent2">
+                <a:shade val="50000"/>
+              </a:schemeClr>
+            </a:lnRef>
+            <a:fillRef idx="1">
+              <a:schemeClr val="accent2"/>
+            </a:fillRef>
+            <a:effectRef idx="0">
+              <a:schemeClr val="accent2"/>
+            </a:effectRef>
+            <a:fontRef idx="minor">
+              <a:schemeClr val="lt1"/>
+            </a:fontRef>
+          </p:style>
+          <p:txBody>
+            <a:bodyPr wrap="square" rtlCol="0" anchor="ctr">
+              <a:spAutoFit/>
+            </a:bodyPr>
+            <a:lstStyle/>
+            <a:p>
+              <a:pPr algn="ctr"/>
+              <a:endParaRPr lang="en-US" dirty="0">
+                <a:latin typeface="Times New Roman" charset="0"/>
+                <a:ea typeface="Times New Roman" charset="0"/>
+                <a:cs typeface="Times New Roman" charset="0"/>
+              </a:endParaRPr>
+            </a:p>
+          </p:txBody>
+        </p:sp>
+        <p:sp>
+          <p:nvSpPr>
+            <p:cNvPr id="26" name="TextBox 25"/>
+            <p:cNvSpPr txBox="1"/>
+            <p:nvPr/>
+          </p:nvSpPr>
+          <p:spPr>
+            <a:xfrm>
+              <a:off x="6467571" y="3295010"/>
+              <a:ext cx="126145" cy="188298"/>
+            </a:xfrm>
+            <a:prstGeom prst="rect">
+              <a:avLst/>
+            </a:prstGeom>
+            <a:ln/>
+          </p:spPr>
+          <p:style>
+            <a:lnRef idx="2">
+              <a:schemeClr val="accent2">
+                <a:shade val="50000"/>
+              </a:schemeClr>
+            </a:lnRef>
+            <a:fillRef idx="1">
+              <a:schemeClr val="accent2"/>
+            </a:fillRef>
+            <a:effectRef idx="0">
+              <a:schemeClr val="accent2"/>
+            </a:effectRef>
+            <a:fontRef idx="minor">
+              <a:schemeClr val="lt1"/>
+            </a:fontRef>
+          </p:style>
+          <p:txBody>
+            <a:bodyPr wrap="square" rtlCol="0" anchor="ctr">
+              <a:spAutoFit/>
+            </a:bodyPr>
+            <a:lstStyle/>
+            <a:p>
+              <a:pPr algn="ctr"/>
+              <a:endParaRPr lang="en-US" dirty="0">
+                <a:latin typeface="Times New Roman" charset="0"/>
+                <a:ea typeface="Times New Roman" charset="0"/>
+                <a:cs typeface="Times New Roman" charset="0"/>
+              </a:endParaRPr>
+            </a:p>
+          </p:txBody>
+        </p:sp>
+        <p:sp>
+          <p:nvSpPr>
+            <p:cNvPr id="27" name="TextBox 26"/>
+            <p:cNvSpPr txBox="1"/>
+            <p:nvPr/>
+          </p:nvSpPr>
+          <p:spPr>
+            <a:xfrm>
+              <a:off x="6630621" y="3295010"/>
+              <a:ext cx="126145" cy="188298"/>
+            </a:xfrm>
+            <a:prstGeom prst="rect">
+              <a:avLst/>
+            </a:prstGeom>
+            <a:ln/>
+          </p:spPr>
+          <p:style>
+            <a:lnRef idx="2">
+              <a:schemeClr val="accent2">
+                <a:shade val="50000"/>
+              </a:schemeClr>
+            </a:lnRef>
+            <a:fillRef idx="1">
+              <a:schemeClr val="accent2"/>
+            </a:fillRef>
+            <a:effectRef idx="0">
+              <a:schemeClr val="accent2"/>
+            </a:effectRef>
+            <a:fontRef idx="minor">
+              <a:schemeClr val="lt1"/>
+            </a:fontRef>
+          </p:style>
+          <p:txBody>
+            <a:bodyPr wrap="square" rtlCol="0" anchor="ctr">
+              <a:spAutoFit/>
+            </a:bodyPr>
+            <a:lstStyle/>
+            <a:p>
+              <a:pPr algn="ctr"/>
+              <a:endParaRPr lang="en-US" dirty="0">
+                <a:latin typeface="Times New Roman" charset="0"/>
+                <a:ea typeface="Times New Roman" charset="0"/>
+                <a:cs typeface="Times New Roman" charset="0"/>
+              </a:endParaRPr>
+            </a:p>
+          </p:txBody>
+        </p:sp>
+      </p:grpSp>
+      <p:sp>
+        <p:nvSpPr>
+          <p:cNvPr id="29" name="TextBox 28"/>
+          <p:cNvSpPr txBox="1"/>
+          <p:nvPr/>
+        </p:nvSpPr>
+        <p:spPr>
+          <a:xfrm>
+            <a:off x="5849934" y="1808014"/>
+            <a:ext cx="979756" cy="369332"/>
+          </a:xfrm>
+          <a:prstGeom prst="rect">
+            <a:avLst/>
+          </a:prstGeom>
+          <a:noFill/>
+          <a:ln w="19050">
+            <a:noFill/>
+          </a:ln>
+        </p:spPr>
+        <p:style>
+          <a:lnRef idx="2">
+            <a:schemeClr val="accent1"/>
+          </a:lnRef>
+          <a:fillRef idx="1">
+            <a:schemeClr val="lt1"/>
+          </a:fillRef>
+          <a:effectRef idx="0">
+            <a:schemeClr val="accent1"/>
+          </a:effectRef>
+          <a:fontRef idx="minor">
+            <a:schemeClr val="dk1"/>
+          </a:fontRef>
+        </p:style>
+        <p:txBody>
+          <a:bodyPr wrap="none" rtlCol="0" anchor="ctr">
+            <a:spAutoFit/>
+          </a:bodyPr>
+          <a:lstStyle/>
+          <a:p>
+            <a:pPr algn="ctr"/>
+            <a:r>
+              <a:rPr lang="en-US" dirty="0" err="1" smtClean="0">
+                <a:latin typeface="Times New Roman" charset="0"/>
+                <a:ea typeface="Times New Roman" charset="0"/>
+                <a:cs typeface="Times New Roman" charset="0"/>
+              </a:rPr>
+              <a:t>pktbatch</a:t>
+            </a:r>
+            <a:endParaRPr lang="en-US" dirty="0" smtClean="0">
+              <a:latin typeface="Times New Roman" charset="0"/>
+              <a:ea typeface="Times New Roman" charset="0"/>
+              <a:cs typeface="Times New Roman" charset="0"/>
+            </a:endParaRPr>
+          </a:p>
+        </p:txBody>
+      </p:sp>
+    </p:spTree>
+    <p:extLst>
+      <p:ext uri="{BB962C8B-B14F-4D97-AF65-F5344CB8AC3E}">
+        <p14:creationId xmlns:p14="http://schemas.microsoft.com/office/powerpoint/2010/main" val="1639539716"/>
+      </p:ext>
+    </p:extLst>
+  </p:cSld>
+  <p:clrMapOvr>
+    <a:masterClrMapping/>
+  </p:clrMapOvr>
+</p:sld>
+</file>
+
+<file path=ppt/slides/slide5.xml><?xml version="1.0" encoding="utf-8"?>
+<p:sld xmlns:a="http://schemas.openxmlformats.org/drawingml/2006/main" xmlns:r="http://schemas.openxmlformats.org/officeDocument/2006/relationships" xmlns:p="http://schemas.openxmlformats.org/presentationml/2006/main">
+  <p:cSld>
+    <p:spTree>
+      <p:nvGrpSpPr>
+        <p:cNvPr id="1" name=""/>
+        <p:cNvGrpSpPr/>
+        <p:nvPr/>
+      </p:nvGrpSpPr>
+      <p:grpSpPr>
+        <a:xfrm>
+          <a:off x="0" y="0"/>
+          <a:ext cx="0" cy="0"/>
+          <a:chOff x="0" y="0"/>
+          <a:chExt cx="0" cy="0"/>
+        </a:xfrm>
+      </p:grpSpPr>
+      <p:sp>
+        <p:nvSpPr>
+          <p:cNvPr id="38" name="Rectangle 37"/>
+          <p:cNvSpPr/>
+          <p:nvPr/>
+        </p:nvSpPr>
+        <p:spPr>
+          <a:xfrm>
+            <a:off x="5158393" y="1872816"/>
+            <a:ext cx="1646606" cy="3206942"/>
+          </a:xfrm>
+          <a:prstGeom prst="rect">
+            <a:avLst/>
+          </a:prstGeom>
+          <a:solidFill>
+            <a:schemeClr val="bg1">
+              <a:lumMod val="95000"/>
+            </a:schemeClr>
+          </a:solidFill>
+          <a:ln>
+            <a:noFill/>
+          </a:ln>
+        </p:spPr>
+        <p:style>
+          <a:lnRef idx="2">
+            <a:schemeClr val="accent1">
+              <a:shade val="50000"/>
+            </a:schemeClr>
+          </a:lnRef>
+          <a:fillRef idx="1">
+            <a:schemeClr val="accent1"/>
+          </a:fillRef>
+          <a:effectRef idx="0">
+            <a:schemeClr val="accent1"/>
+          </a:effectRef>
+          <a:fontRef idx="minor">
+            <a:schemeClr val="lt1"/>
+          </a:fontRef>
+        </p:style>
+        <p:txBody>
+          <a:bodyPr rtlCol="0" anchor="ctr"/>
+          <a:lstStyle/>
+          <a:p>
+            <a:pPr algn="ctr"/>
+            <a:endParaRPr lang="en-US"/>
+          </a:p>
+        </p:txBody>
+      </p:sp>
+      <p:cxnSp>
+        <p:nvCxnSpPr>
+          <p:cNvPr id="4" name="Straight Arrow Connector 3"/>
+          <p:cNvCxnSpPr/>
+          <p:nvPr/>
+        </p:nvCxnSpPr>
+        <p:spPr>
+          <a:xfrm flipV="1">
+            <a:off x="2795954" y="1987062"/>
+            <a:ext cx="0" cy="3200400"/>
+          </a:xfrm>
+          <a:prstGeom prst="straightConnector1">
+            <a:avLst/>
+          </a:prstGeom>
+          <a:ln>
+            <a:solidFill>
+              <a:srgbClr val="7030A0"/>
+            </a:solidFill>
+            <a:tailEnd type="none"/>
+          </a:ln>
+          <a:effectLst/>
+        </p:spPr>
+        <p:style>
+          <a:lnRef idx="1">
+            <a:schemeClr val="accent1"/>
+          </a:lnRef>
+          <a:fillRef idx="0">
+            <a:schemeClr val="accent1"/>
+          </a:fillRef>
+          <a:effectRef idx="0">
+            <a:schemeClr val="accent1"/>
+          </a:effectRef>
+          <a:fontRef idx="minor">
+            <a:schemeClr val="tx1"/>
+          </a:fontRef>
+        </p:style>
+      </p:cxnSp>
+      <p:sp>
+        <p:nvSpPr>
+          <p:cNvPr id="7" name="TextBox 6"/>
+          <p:cNvSpPr txBox="1"/>
+          <p:nvPr/>
+        </p:nvSpPr>
+        <p:spPr>
+          <a:xfrm>
+            <a:off x="2620264" y="1503484"/>
+            <a:ext cx="351379" cy="369332"/>
+          </a:xfrm>
+          <a:prstGeom prst="rect">
+            <a:avLst/>
+          </a:prstGeom>
+          <a:noFill/>
+          <a:ln w="19050">
+            <a:noFill/>
+          </a:ln>
+        </p:spPr>
+        <p:style>
+          <a:lnRef idx="2">
+            <a:schemeClr val="accent1"/>
+          </a:lnRef>
+          <a:fillRef idx="1">
+            <a:schemeClr val="lt1"/>
+          </a:fillRef>
+          <a:effectRef idx="0">
+            <a:schemeClr val="accent1"/>
+          </a:effectRef>
+          <a:fontRef idx="minor">
+            <a:schemeClr val="dk1"/>
+          </a:fontRef>
+        </p:style>
+        <p:txBody>
+          <a:bodyPr wrap="none" rtlCol="0" anchor="ctr">
+            <a:spAutoFit/>
+          </a:bodyPr>
+          <a:lstStyle/>
+          <a:p>
+            <a:pPr algn="ctr"/>
+            <a:r>
+              <a:rPr lang="en-US">
+                <a:latin typeface="Times New Roman" charset="0"/>
+                <a:ea typeface="Times New Roman" charset="0"/>
+                <a:cs typeface="Times New Roman" charset="0"/>
+              </a:rPr>
+              <a:t>A</a:t>
+            </a:r>
+            <a:endParaRPr lang="en-US" dirty="0" smtClean="0">
+              <a:latin typeface="Times New Roman" charset="0"/>
+              <a:ea typeface="Times New Roman" charset="0"/>
+              <a:cs typeface="Times New Roman" charset="0"/>
+            </a:endParaRPr>
+          </a:p>
+        </p:txBody>
+      </p:sp>
+      <p:cxnSp>
+        <p:nvCxnSpPr>
+          <p:cNvPr id="8" name="Straight Arrow Connector 7"/>
+          <p:cNvCxnSpPr/>
+          <p:nvPr/>
+        </p:nvCxnSpPr>
+        <p:spPr>
+          <a:xfrm flipV="1">
+            <a:off x="3657599" y="1987062"/>
+            <a:ext cx="0" cy="3209192"/>
+          </a:xfrm>
+          <a:prstGeom prst="straightConnector1">
+            <a:avLst/>
+          </a:prstGeom>
+          <a:ln>
+            <a:solidFill>
+              <a:srgbClr val="7030A0"/>
+            </a:solidFill>
+            <a:tailEnd type="none"/>
+          </a:ln>
+          <a:effectLst/>
+        </p:spPr>
+        <p:style>
+          <a:lnRef idx="1">
+            <a:schemeClr val="accent1"/>
+          </a:lnRef>
+          <a:fillRef idx="0">
+            <a:schemeClr val="accent1"/>
+          </a:fillRef>
+          <a:effectRef idx="0">
+            <a:schemeClr val="accent1"/>
+          </a:effectRef>
+          <a:fontRef idx="minor">
+            <a:schemeClr val="tx1"/>
+          </a:fontRef>
+        </p:style>
+      </p:cxnSp>
+      <p:sp>
+        <p:nvSpPr>
+          <p:cNvPr id="9" name="TextBox 8"/>
+          <p:cNvSpPr txBox="1"/>
+          <p:nvPr/>
+        </p:nvSpPr>
+        <p:spPr>
+          <a:xfrm>
+            <a:off x="3488321" y="1503484"/>
+            <a:ext cx="338555" cy="369332"/>
+          </a:xfrm>
+          <a:prstGeom prst="rect">
+            <a:avLst/>
+          </a:prstGeom>
+          <a:noFill/>
+          <a:ln w="19050">
+            <a:noFill/>
+          </a:ln>
+        </p:spPr>
+        <p:style>
+          <a:lnRef idx="2">
+            <a:schemeClr val="accent1"/>
+          </a:lnRef>
+          <a:fillRef idx="1">
+            <a:schemeClr val="lt1"/>
+          </a:fillRef>
+          <a:effectRef idx="0">
+            <a:schemeClr val="accent1"/>
+          </a:effectRef>
+          <a:fontRef idx="minor">
+            <a:schemeClr val="dk1"/>
+          </a:fontRef>
+        </p:style>
+        <p:txBody>
+          <a:bodyPr wrap="none" rtlCol="0" anchor="ctr">
+            <a:spAutoFit/>
+          </a:bodyPr>
+          <a:lstStyle/>
+          <a:p>
+            <a:pPr algn="ctr"/>
+            <a:r>
+              <a:rPr lang="en-US" dirty="0">
+                <a:latin typeface="Times New Roman" charset="0"/>
+                <a:ea typeface="Times New Roman" charset="0"/>
+                <a:cs typeface="Times New Roman" charset="0"/>
+              </a:rPr>
+              <a:t>B</a:t>
+            </a:r>
+            <a:endParaRPr lang="en-US" dirty="0" smtClean="0">
+              <a:latin typeface="Times New Roman" charset="0"/>
+              <a:ea typeface="Times New Roman" charset="0"/>
+              <a:cs typeface="Times New Roman" charset="0"/>
+            </a:endParaRPr>
+          </a:p>
+        </p:txBody>
+      </p:sp>
+      <p:cxnSp>
+        <p:nvCxnSpPr>
+          <p:cNvPr id="10" name="Straight Arrow Connector 9"/>
+          <p:cNvCxnSpPr/>
+          <p:nvPr/>
+        </p:nvCxnSpPr>
+        <p:spPr>
+          <a:xfrm flipV="1">
+            <a:off x="4519245" y="1987062"/>
+            <a:ext cx="0" cy="3209192"/>
+          </a:xfrm>
+          <a:prstGeom prst="straightConnector1">
+            <a:avLst/>
+          </a:prstGeom>
+          <a:ln>
+            <a:solidFill>
+              <a:srgbClr val="7030A0"/>
+            </a:solidFill>
+            <a:tailEnd type="none"/>
+          </a:ln>
+          <a:effectLst/>
+        </p:spPr>
+        <p:style>
+          <a:lnRef idx="1">
+            <a:schemeClr val="accent1"/>
+          </a:lnRef>
+          <a:fillRef idx="0">
+            <a:schemeClr val="accent1"/>
+          </a:fillRef>
+          <a:effectRef idx="0">
+            <a:schemeClr val="accent1"/>
+          </a:effectRef>
+          <a:fontRef idx="minor">
+            <a:schemeClr val="tx1"/>
+          </a:fontRef>
+        </p:style>
+      </p:cxnSp>
+      <p:sp>
+        <p:nvSpPr>
+          <p:cNvPr id="11" name="TextBox 10"/>
+          <p:cNvSpPr txBox="1"/>
+          <p:nvPr/>
+        </p:nvSpPr>
+        <p:spPr>
+          <a:xfrm>
+            <a:off x="4343555" y="1503484"/>
+            <a:ext cx="351379" cy="369332"/>
+          </a:xfrm>
+          <a:prstGeom prst="rect">
+            <a:avLst/>
+          </a:prstGeom>
+          <a:noFill/>
+          <a:ln w="19050">
+            <a:noFill/>
+          </a:ln>
+        </p:spPr>
+        <p:style>
+          <a:lnRef idx="2">
+            <a:schemeClr val="accent1"/>
+          </a:lnRef>
+          <a:fillRef idx="1">
+            <a:schemeClr val="lt1"/>
+          </a:fillRef>
+          <a:effectRef idx="0">
+            <a:schemeClr val="accent1"/>
+          </a:effectRef>
+          <a:fontRef idx="minor">
+            <a:schemeClr val="dk1"/>
+          </a:fontRef>
+        </p:style>
+        <p:txBody>
+          <a:bodyPr wrap="none" rtlCol="0" anchor="ctr">
+            <a:spAutoFit/>
+          </a:bodyPr>
+          <a:lstStyle/>
+          <a:p>
+            <a:pPr algn="ctr"/>
+            <a:r>
+              <a:rPr lang="en-US" dirty="0" smtClean="0">
+                <a:latin typeface="Times New Roman" charset="0"/>
+                <a:ea typeface="Times New Roman" charset="0"/>
+                <a:cs typeface="Times New Roman" charset="0"/>
+              </a:rPr>
+              <a:t>D</a:t>
+            </a:r>
+            <a:endParaRPr lang="en-US" dirty="0" smtClean="0">
+              <a:latin typeface="Times New Roman" charset="0"/>
+              <a:ea typeface="Times New Roman" charset="0"/>
+              <a:cs typeface="Times New Roman" charset="0"/>
+            </a:endParaRPr>
+          </a:p>
+        </p:txBody>
+      </p:sp>
+      <p:cxnSp>
+        <p:nvCxnSpPr>
+          <p:cNvPr id="12" name="Straight Arrow Connector 11"/>
+          <p:cNvCxnSpPr/>
+          <p:nvPr/>
+        </p:nvCxnSpPr>
+        <p:spPr>
+          <a:xfrm flipV="1">
+            <a:off x="2795954" y="2233248"/>
+            <a:ext cx="0" cy="474784"/>
+          </a:xfrm>
+          <a:prstGeom prst="straightConnector1">
+            <a:avLst/>
+          </a:prstGeom>
+          <a:ln w="38100">
+            <a:solidFill>
+              <a:schemeClr val="accent6"/>
+            </a:solidFill>
+            <a:tailEnd type="none"/>
+          </a:ln>
+          <a:effectLst/>
+        </p:spPr>
+        <p:style>
+          <a:lnRef idx="1">
+            <a:schemeClr val="accent1"/>
+          </a:lnRef>
+          <a:fillRef idx="0">
+            <a:schemeClr val="accent1"/>
+          </a:fillRef>
+          <a:effectRef idx="0">
+            <a:schemeClr val="accent1"/>
+          </a:effectRef>
+          <a:fontRef idx="minor">
+            <a:schemeClr val="tx1"/>
+          </a:fontRef>
+        </p:style>
+      </p:cxnSp>
+      <p:cxnSp>
+        <p:nvCxnSpPr>
+          <p:cNvPr id="14" name="Straight Arrow Connector 13"/>
+          <p:cNvCxnSpPr/>
+          <p:nvPr/>
+        </p:nvCxnSpPr>
+        <p:spPr>
+          <a:xfrm flipV="1">
+            <a:off x="3657599" y="3006972"/>
+            <a:ext cx="0" cy="474784"/>
+          </a:xfrm>
+          <a:prstGeom prst="straightConnector1">
+            <a:avLst/>
+          </a:prstGeom>
+          <a:ln w="38100">
+            <a:solidFill>
+              <a:schemeClr val="accent6"/>
+            </a:solidFill>
+            <a:tailEnd type="none"/>
+          </a:ln>
+          <a:effectLst/>
+        </p:spPr>
+        <p:style>
+          <a:lnRef idx="1">
+            <a:schemeClr val="accent1"/>
+          </a:lnRef>
+          <a:fillRef idx="0">
+            <a:schemeClr val="accent1"/>
+          </a:fillRef>
+          <a:effectRef idx="0">
+            <a:schemeClr val="accent1"/>
+          </a:effectRef>
+          <a:fontRef idx="minor">
+            <a:schemeClr val="tx1"/>
+          </a:fontRef>
+        </p:style>
+      </p:cxnSp>
+      <p:cxnSp>
+        <p:nvCxnSpPr>
+          <p:cNvPr id="15" name="Straight Arrow Connector 14"/>
+          <p:cNvCxnSpPr/>
+          <p:nvPr/>
+        </p:nvCxnSpPr>
+        <p:spPr>
+          <a:xfrm flipV="1">
+            <a:off x="4519243" y="3780695"/>
+            <a:ext cx="0" cy="474784"/>
+          </a:xfrm>
+          <a:prstGeom prst="straightConnector1">
+            <a:avLst/>
+          </a:prstGeom>
+          <a:ln w="38100">
+            <a:solidFill>
+              <a:schemeClr val="accent6"/>
+            </a:solidFill>
+            <a:tailEnd type="none"/>
+          </a:ln>
+          <a:effectLst/>
+        </p:spPr>
+        <p:style>
+          <a:lnRef idx="1">
+            <a:schemeClr val="accent1"/>
+          </a:lnRef>
+          <a:fillRef idx="0">
+            <a:schemeClr val="accent1"/>
+          </a:fillRef>
+          <a:effectRef idx="0">
+            <a:schemeClr val="accent1"/>
+          </a:effectRef>
+          <a:fontRef idx="minor">
+            <a:schemeClr val="tx1"/>
+          </a:fontRef>
+        </p:style>
+      </p:cxnSp>
+      <p:cxnSp>
+        <p:nvCxnSpPr>
+          <p:cNvPr id="23" name="Straight Arrow Connector 22"/>
+          <p:cNvCxnSpPr/>
+          <p:nvPr/>
+        </p:nvCxnSpPr>
+        <p:spPr>
+          <a:xfrm rot="10800000" flipH="1" flipV="1">
+            <a:off x="2795954" y="2708032"/>
+            <a:ext cx="861646" cy="298940"/>
+          </a:xfrm>
+          <a:prstGeom prst="straightConnector1">
+            <a:avLst/>
+          </a:prstGeom>
+          <a:ln w="15875">
+            <a:solidFill>
+              <a:schemeClr val="accent6">
+                <a:lumMod val="75000"/>
+              </a:schemeClr>
+            </a:solidFill>
+            <a:tailEnd type="triangle"/>
+          </a:ln>
+          <a:effectLst/>
+        </p:spPr>
+        <p:style>
+          <a:lnRef idx="1">
+            <a:schemeClr val="accent1"/>
+          </a:lnRef>
+          <a:fillRef idx="0">
+            <a:schemeClr val="accent1"/>
+          </a:fillRef>
+          <a:effectRef idx="0">
+            <a:schemeClr val="accent1"/>
+          </a:effectRef>
+          <a:fontRef idx="minor">
+            <a:schemeClr val="tx1"/>
+          </a:fontRef>
+        </p:style>
+      </p:cxnSp>
+      <p:cxnSp>
+        <p:nvCxnSpPr>
+          <p:cNvPr id="26" name="Straight Arrow Connector 25"/>
+          <p:cNvCxnSpPr/>
+          <p:nvPr/>
+        </p:nvCxnSpPr>
+        <p:spPr>
+          <a:xfrm rot="10800000" flipH="1" flipV="1">
+            <a:off x="3657599" y="3481755"/>
+            <a:ext cx="861646" cy="298940"/>
+          </a:xfrm>
+          <a:prstGeom prst="straightConnector1">
+            <a:avLst/>
+          </a:prstGeom>
+          <a:ln w="15875">
+            <a:solidFill>
+              <a:schemeClr val="accent6">
+                <a:lumMod val="75000"/>
+              </a:schemeClr>
+            </a:solidFill>
+            <a:tailEnd type="triangle"/>
+          </a:ln>
+          <a:effectLst/>
+        </p:spPr>
+        <p:style>
+          <a:lnRef idx="1">
+            <a:schemeClr val="accent1"/>
+          </a:lnRef>
+          <a:fillRef idx="0">
+            <a:schemeClr val="accent1"/>
+          </a:fillRef>
+          <a:effectRef idx="0">
+            <a:schemeClr val="accent1"/>
+          </a:effectRef>
+          <a:fontRef idx="minor">
+            <a:schemeClr val="tx1"/>
+          </a:fontRef>
+        </p:style>
+      </p:cxnSp>
+      <p:cxnSp>
+        <p:nvCxnSpPr>
+          <p:cNvPr id="27" name="Straight Arrow Connector 26"/>
+          <p:cNvCxnSpPr/>
+          <p:nvPr/>
+        </p:nvCxnSpPr>
+        <p:spPr>
+          <a:xfrm rot="10800000" flipV="1">
+            <a:off x="3657597" y="4255478"/>
+            <a:ext cx="861646" cy="298940"/>
+          </a:xfrm>
+          <a:prstGeom prst="straightConnector1">
+            <a:avLst/>
+          </a:prstGeom>
+          <a:ln w="15875">
+            <a:solidFill>
+              <a:schemeClr val="accent6">
+                <a:lumMod val="75000"/>
+              </a:schemeClr>
+            </a:solidFill>
+            <a:tailEnd type="triangle"/>
+          </a:ln>
+          <a:effectLst/>
+        </p:spPr>
+        <p:style>
+          <a:lnRef idx="1">
+            <a:schemeClr val="accent1"/>
+          </a:lnRef>
+          <a:fillRef idx="0">
+            <a:schemeClr val="accent1"/>
+          </a:fillRef>
+          <a:effectRef idx="0">
+            <a:schemeClr val="accent1"/>
+          </a:effectRef>
+          <a:fontRef idx="minor">
+            <a:schemeClr val="tx1"/>
+          </a:fontRef>
+        </p:style>
+      </p:cxnSp>
+      <p:cxnSp>
+        <p:nvCxnSpPr>
+          <p:cNvPr id="28" name="Straight Arrow Connector 27"/>
+          <p:cNvCxnSpPr/>
+          <p:nvPr/>
+        </p:nvCxnSpPr>
+        <p:spPr>
+          <a:xfrm rot="10800000" flipV="1">
+            <a:off x="2795950" y="4576396"/>
+            <a:ext cx="861646" cy="298940"/>
+          </a:xfrm>
+          <a:prstGeom prst="straightConnector1">
+            <a:avLst/>
+          </a:prstGeom>
+          <a:ln w="15875">
+            <a:solidFill>
+              <a:schemeClr val="accent6">
+                <a:lumMod val="75000"/>
+              </a:schemeClr>
+            </a:solidFill>
+            <a:tailEnd type="triangle"/>
+          </a:ln>
+          <a:effectLst/>
+        </p:spPr>
+        <p:style>
+          <a:lnRef idx="1">
+            <a:schemeClr val="accent1"/>
+          </a:lnRef>
+          <a:fillRef idx="0">
+            <a:schemeClr val="accent1"/>
+          </a:fillRef>
+          <a:effectRef idx="0">
+            <a:schemeClr val="accent1"/>
+          </a:effectRef>
+          <a:fontRef idx="minor">
+            <a:schemeClr val="tx1"/>
+          </a:fontRef>
+        </p:style>
+      </p:cxnSp>
+      <p:cxnSp>
+        <p:nvCxnSpPr>
+          <p:cNvPr id="29" name="Straight Arrow Connector 28"/>
+          <p:cNvCxnSpPr/>
+          <p:nvPr/>
+        </p:nvCxnSpPr>
+        <p:spPr>
+          <a:xfrm rot="10800000" flipV="1">
+            <a:off x="1934304" y="4877533"/>
+            <a:ext cx="861646" cy="298940"/>
+          </a:xfrm>
+          <a:prstGeom prst="straightConnector1">
+            <a:avLst/>
+          </a:prstGeom>
+          <a:ln w="15875">
+            <a:solidFill>
+              <a:schemeClr val="accent6">
+                <a:lumMod val="75000"/>
+              </a:schemeClr>
+            </a:solidFill>
+            <a:tailEnd type="triangle"/>
+          </a:ln>
+          <a:effectLst/>
+        </p:spPr>
+        <p:style>
+          <a:lnRef idx="1">
+            <a:schemeClr val="accent1"/>
+          </a:lnRef>
+          <a:fillRef idx="0">
+            <a:schemeClr val="accent1"/>
+          </a:fillRef>
+          <a:effectRef idx="0">
+            <a:schemeClr val="accent1"/>
+          </a:effectRef>
+          <a:fontRef idx="minor">
+            <a:schemeClr val="tx1"/>
+          </a:fontRef>
+        </p:style>
+      </p:cxnSp>
+      <p:cxnSp>
+        <p:nvCxnSpPr>
+          <p:cNvPr id="30" name="Straight Arrow Connector 29"/>
+          <p:cNvCxnSpPr/>
+          <p:nvPr/>
+        </p:nvCxnSpPr>
+        <p:spPr>
+          <a:xfrm rot="10800000" flipH="1" flipV="1">
+            <a:off x="1934303" y="1934307"/>
+            <a:ext cx="861646" cy="298940"/>
+          </a:xfrm>
+          <a:prstGeom prst="straightConnector1">
+            <a:avLst/>
+          </a:prstGeom>
+          <a:ln w="15875">
+            <a:solidFill>
+              <a:schemeClr val="accent6">
+                <a:lumMod val="75000"/>
+              </a:schemeClr>
+            </a:solidFill>
+            <a:tailEnd type="triangle"/>
+          </a:ln>
+          <a:effectLst/>
+        </p:spPr>
+        <p:style>
+          <a:lnRef idx="1">
+            <a:schemeClr val="accent1"/>
+          </a:lnRef>
+          <a:fillRef idx="0">
+            <a:schemeClr val="accent1"/>
+          </a:fillRef>
+          <a:effectRef idx="0">
+            <a:schemeClr val="accent1"/>
+          </a:effectRef>
+          <a:fontRef idx="minor">
+            <a:schemeClr val="tx1"/>
+          </a:fontRef>
+        </p:style>
+      </p:cxnSp>
+      <p:cxnSp>
+        <p:nvCxnSpPr>
+          <p:cNvPr id="31" name="Straight Arrow Connector 30"/>
+          <p:cNvCxnSpPr/>
+          <p:nvPr/>
+        </p:nvCxnSpPr>
+        <p:spPr>
+          <a:xfrm rot="10800000" flipH="1" flipV="1">
+            <a:off x="5550872" y="1987062"/>
+            <a:ext cx="861646" cy="298940"/>
+          </a:xfrm>
+          <a:prstGeom prst="straightConnector1">
+            <a:avLst/>
+          </a:prstGeom>
+          <a:ln w="15875">
+            <a:solidFill>
+              <a:schemeClr val="accent6">
+                <a:lumMod val="75000"/>
+              </a:schemeClr>
+            </a:solidFill>
+            <a:tailEnd type="triangle"/>
+          </a:ln>
+          <a:effectLst/>
+        </p:spPr>
+        <p:style>
+          <a:lnRef idx="1">
+            <a:schemeClr val="accent1"/>
+          </a:lnRef>
+          <a:fillRef idx="0">
+            <a:schemeClr val="accent1"/>
+          </a:fillRef>
+          <a:effectRef idx="0">
+            <a:schemeClr val="accent1"/>
+          </a:effectRef>
+          <a:fontRef idx="minor">
+            <a:schemeClr val="tx1"/>
+          </a:fontRef>
+        </p:style>
+      </p:cxnSp>
+      <p:sp>
+        <p:nvSpPr>
+          <p:cNvPr id="32" name="TextBox 31"/>
+          <p:cNvSpPr txBox="1"/>
+          <p:nvPr/>
+        </p:nvSpPr>
+        <p:spPr>
+          <a:xfrm>
+            <a:off x="5309074" y="2382661"/>
+            <a:ext cx="1345240" cy="369332"/>
+          </a:xfrm>
+          <a:prstGeom prst="rect">
+            <a:avLst/>
+          </a:prstGeom>
+          <a:noFill/>
+          <a:ln w="19050">
+            <a:noFill/>
+          </a:ln>
+        </p:spPr>
+        <p:style>
+          <a:lnRef idx="2">
+            <a:schemeClr val="accent1"/>
+          </a:lnRef>
+          <a:fillRef idx="1">
+            <a:schemeClr val="lt1"/>
+          </a:fillRef>
+          <a:effectRef idx="0">
+            <a:schemeClr val="accent1"/>
+          </a:effectRef>
+          <a:fontRef idx="minor">
+            <a:schemeClr val="dk1"/>
+          </a:fontRef>
+        </p:style>
+        <p:txBody>
+          <a:bodyPr wrap="none" rtlCol="0" anchor="ctr">
+            <a:spAutoFit/>
+          </a:bodyPr>
+          <a:lstStyle/>
+          <a:p>
+            <a:pPr algn="ctr"/>
+            <a:r>
+              <a:rPr lang="en-US">
+                <a:latin typeface="Times New Roman" charset="0"/>
+                <a:ea typeface="Times New Roman" charset="0"/>
+                <a:cs typeface="Times New Roman" charset="0"/>
+              </a:rPr>
+              <a:t>f</a:t>
+            </a:r>
+            <a:r>
+              <a:rPr lang="en-US" smtClean="0">
+                <a:latin typeface="Times New Roman" charset="0"/>
+                <a:ea typeface="Times New Roman" charset="0"/>
+                <a:cs typeface="Times New Roman" charset="0"/>
+              </a:rPr>
+              <a:t>unction call</a:t>
+            </a:r>
+            <a:endParaRPr lang="en-US" dirty="0">
+              <a:latin typeface="Times New Roman" charset="0"/>
+              <a:ea typeface="Times New Roman" charset="0"/>
+              <a:cs typeface="Times New Roman" charset="0"/>
+            </a:endParaRPr>
+          </a:p>
+        </p:txBody>
+      </p:sp>
+      <p:cxnSp>
+        <p:nvCxnSpPr>
+          <p:cNvPr id="33" name="Straight Arrow Connector 32"/>
+          <p:cNvCxnSpPr/>
+          <p:nvPr/>
+        </p:nvCxnSpPr>
+        <p:spPr>
+          <a:xfrm rot="10800000" flipV="1">
+            <a:off x="5524650" y="4411485"/>
+            <a:ext cx="861646" cy="298940"/>
+          </a:xfrm>
+          <a:prstGeom prst="straightConnector1">
+            <a:avLst/>
+          </a:prstGeom>
+          <a:ln w="15875">
+            <a:solidFill>
+              <a:schemeClr val="accent6">
+                <a:lumMod val="75000"/>
+              </a:schemeClr>
+            </a:solidFill>
+            <a:tailEnd type="triangle"/>
+          </a:ln>
+          <a:effectLst/>
+        </p:spPr>
+        <p:style>
+          <a:lnRef idx="1">
+            <a:schemeClr val="accent1"/>
+          </a:lnRef>
+          <a:fillRef idx="0">
+            <a:schemeClr val="accent1"/>
+          </a:fillRef>
+          <a:effectRef idx="0">
+            <a:schemeClr val="accent1"/>
+          </a:effectRef>
+          <a:fontRef idx="minor">
+            <a:schemeClr val="tx1"/>
+          </a:fontRef>
+        </p:style>
+      </p:cxnSp>
+      <p:sp>
+        <p:nvSpPr>
+          <p:cNvPr id="34" name="TextBox 33"/>
+          <p:cNvSpPr txBox="1"/>
+          <p:nvPr/>
+        </p:nvSpPr>
+        <p:spPr>
+          <a:xfrm>
+            <a:off x="5613647" y="4710426"/>
+            <a:ext cx="736099" cy="369332"/>
+          </a:xfrm>
+          <a:prstGeom prst="rect">
+            <a:avLst/>
+          </a:prstGeom>
+          <a:noFill/>
+          <a:ln w="19050">
+            <a:noFill/>
+          </a:ln>
+        </p:spPr>
+        <p:style>
+          <a:lnRef idx="2">
+            <a:schemeClr val="accent1"/>
+          </a:lnRef>
+          <a:fillRef idx="1">
+            <a:schemeClr val="lt1"/>
+          </a:fillRef>
+          <a:effectRef idx="0">
+            <a:schemeClr val="accent1"/>
+          </a:effectRef>
+          <a:fontRef idx="minor">
+            <a:schemeClr val="dk1"/>
+          </a:fontRef>
+        </p:style>
+        <p:txBody>
+          <a:bodyPr wrap="none" rtlCol="0" anchor="ctr">
+            <a:spAutoFit/>
+          </a:bodyPr>
+          <a:lstStyle/>
+          <a:p>
+            <a:pPr algn="ctr"/>
+            <a:r>
+              <a:rPr lang="en-US" dirty="0" smtClean="0">
+                <a:latin typeface="Times New Roman" charset="0"/>
+                <a:ea typeface="Times New Roman" charset="0"/>
+                <a:cs typeface="Times New Roman" charset="0"/>
+              </a:rPr>
+              <a:t>return</a:t>
+            </a:r>
+            <a:endParaRPr lang="en-US" dirty="0" smtClean="0">
+              <a:latin typeface="Times New Roman" charset="0"/>
+              <a:ea typeface="Times New Roman" charset="0"/>
+              <a:cs typeface="Times New Roman" charset="0"/>
+            </a:endParaRPr>
+          </a:p>
+        </p:txBody>
+      </p:sp>
+      <p:cxnSp>
+        <p:nvCxnSpPr>
+          <p:cNvPr id="36" name="Straight Arrow Connector 35"/>
+          <p:cNvCxnSpPr/>
+          <p:nvPr/>
+        </p:nvCxnSpPr>
+        <p:spPr>
+          <a:xfrm flipV="1">
+            <a:off x="5949609" y="2989384"/>
+            <a:ext cx="0" cy="474784"/>
+          </a:xfrm>
+          <a:prstGeom prst="straightConnector1">
+            <a:avLst/>
+          </a:prstGeom>
+          <a:ln w="38100">
+            <a:solidFill>
+              <a:schemeClr val="accent6"/>
+            </a:solidFill>
+            <a:tailEnd type="none"/>
+          </a:ln>
+          <a:effectLst/>
+        </p:spPr>
+        <p:style>
+          <a:lnRef idx="1">
+            <a:schemeClr val="accent1"/>
+          </a:lnRef>
+          <a:fillRef idx="0">
+            <a:schemeClr val="accent1"/>
+          </a:fillRef>
+          <a:effectRef idx="0">
+            <a:schemeClr val="accent1"/>
+          </a:effectRef>
+          <a:fontRef idx="minor">
+            <a:schemeClr val="tx1"/>
+          </a:fontRef>
+        </p:style>
+      </p:cxnSp>
+      <p:sp>
+        <p:nvSpPr>
+          <p:cNvPr id="37" name="TextBox 36"/>
+          <p:cNvSpPr txBox="1"/>
+          <p:nvPr/>
+        </p:nvSpPr>
+        <p:spPr>
+          <a:xfrm>
+            <a:off x="5158393" y="3536691"/>
+            <a:ext cx="1646606" cy="646331"/>
+          </a:xfrm>
+          <a:prstGeom prst="rect">
+            <a:avLst/>
+          </a:prstGeom>
+          <a:noFill/>
+          <a:ln w="19050">
+            <a:noFill/>
+          </a:ln>
+        </p:spPr>
+        <p:style>
+          <a:lnRef idx="2">
+            <a:schemeClr val="accent1"/>
+          </a:lnRef>
+          <a:fillRef idx="1">
+            <a:schemeClr val="lt1"/>
+          </a:fillRef>
+          <a:effectRef idx="0">
+            <a:schemeClr val="accent1"/>
+          </a:effectRef>
+          <a:fontRef idx="minor">
+            <a:schemeClr val="dk1"/>
+          </a:fontRef>
+        </p:style>
+        <p:txBody>
+          <a:bodyPr wrap="none" rtlCol="0" anchor="ctr">
+            <a:spAutoFit/>
+          </a:bodyPr>
+          <a:lstStyle/>
+          <a:p>
+            <a:pPr algn="ctr"/>
+            <a:r>
+              <a:rPr lang="en-US" dirty="0" err="1">
+                <a:latin typeface="Times New Roman" charset="0"/>
+                <a:ea typeface="Times New Roman" charset="0"/>
+                <a:cs typeface="Times New Roman" charset="0"/>
+              </a:rPr>
+              <a:t>p</a:t>
+            </a:r>
+            <a:r>
+              <a:rPr lang="en-US" dirty="0" err="1" smtClean="0">
+                <a:latin typeface="Times New Roman" charset="0"/>
+                <a:ea typeface="Times New Roman" charset="0"/>
+                <a:cs typeface="Times New Roman" charset="0"/>
+              </a:rPr>
+              <a:t>rocess_batch</a:t>
+            </a:r>
+            <a:r>
+              <a:rPr lang="en-US" dirty="0" smtClean="0">
+                <a:latin typeface="Times New Roman" charset="0"/>
+                <a:ea typeface="Times New Roman" charset="0"/>
+                <a:cs typeface="Times New Roman" charset="0"/>
+              </a:rPr>
+              <a:t>()</a:t>
+            </a:r>
+            <a:br>
+              <a:rPr lang="en-US" dirty="0" smtClean="0">
+                <a:latin typeface="Times New Roman" charset="0"/>
+                <a:ea typeface="Times New Roman" charset="0"/>
+                <a:cs typeface="Times New Roman" charset="0"/>
+              </a:rPr>
+            </a:br>
+            <a:r>
+              <a:rPr lang="en-US" dirty="0" smtClean="0">
+                <a:latin typeface="Times New Roman" charset="0"/>
+                <a:ea typeface="Times New Roman" charset="0"/>
+                <a:cs typeface="Times New Roman" charset="0"/>
+              </a:rPr>
+              <a:t>execution</a:t>
+            </a:r>
+            <a:endParaRPr lang="en-US" dirty="0">
+              <a:latin typeface="Times New Roman" charset="0"/>
+              <a:ea typeface="Times New Roman" charset="0"/>
+              <a:cs typeface="Times New Roman" charset="0"/>
+            </a:endParaRPr>
+          </a:p>
+        </p:txBody>
+      </p:sp>
+      <p:sp>
+        <p:nvSpPr>
+          <p:cNvPr id="39" name="TextBox 38"/>
+          <p:cNvSpPr txBox="1"/>
+          <p:nvPr/>
+        </p:nvSpPr>
+        <p:spPr>
+          <a:xfrm>
+            <a:off x="-1041935" y="3798249"/>
+            <a:ext cx="184731" cy="369332"/>
+          </a:xfrm>
+          <a:prstGeom prst="rect">
+            <a:avLst/>
+          </a:prstGeom>
+          <a:ln w="19050"/>
+        </p:spPr>
+        <p:style>
+          <a:lnRef idx="2">
+            <a:schemeClr val="accent1"/>
+          </a:lnRef>
+          <a:fillRef idx="1">
+            <a:schemeClr val="lt1"/>
+          </a:fillRef>
+          <a:effectRef idx="0">
+            <a:schemeClr val="accent1"/>
+          </a:effectRef>
+          <a:fontRef idx="minor">
+            <a:schemeClr val="dk1"/>
+          </a:fontRef>
+        </p:style>
+        <p:txBody>
+          <a:bodyPr wrap="none" rtlCol="0" anchor="ctr">
+            <a:spAutoFit/>
+          </a:bodyPr>
+          <a:lstStyle/>
+          <a:p>
+            <a:pPr algn="ctr"/>
+            <a:endParaRPr lang="en-US" dirty="0" smtClean="0">
+              <a:latin typeface="Times New Roman" charset="0"/>
+              <a:ea typeface="Times New Roman" charset="0"/>
+              <a:cs typeface="Times New Roman" charset="0"/>
+            </a:endParaRPr>
+          </a:p>
+        </p:txBody>
+      </p:sp>
+    </p:spTree>
+    <p:extLst>
+      <p:ext uri="{BB962C8B-B14F-4D97-AF65-F5344CB8AC3E}">
+        <p14:creationId xmlns:p14="http://schemas.microsoft.com/office/powerpoint/2010/main" val="1830708219"/>
+      </p:ext>
+    </p:extLst>
+  </p:cSld>
+  <p:clrMapOvr>
+    <a:masterClrMapping/>
+  </p:clrMapOvr>
+</p:sld>
+</file>
+
+<file path=ppt/slides/slide6.xml><?xml version="1.0" encoding="utf-8"?>
+<p:sld xmlns:a="http://schemas.openxmlformats.org/drawingml/2006/main" xmlns:r="http://schemas.openxmlformats.org/officeDocument/2006/relationships" xmlns:p="http://schemas.openxmlformats.org/presentationml/2006/main">
+  <p:cSld>
+    <p:spTree>
+      <p:nvGrpSpPr>
+        <p:cNvPr id="1" name=""/>
+        <p:cNvGrpSpPr/>
+        <p:nvPr/>
+      </p:nvGrpSpPr>
+      <p:grpSpPr>
+        <a:xfrm>
+          <a:off x="0" y="0"/>
+          <a:ext cx="0" cy="0"/>
+          <a:chOff x="0" y="0"/>
+          <a:chExt cx="0" cy="0"/>
+        </a:xfrm>
+      </p:grpSpPr>
+      <p:sp>
+        <p:nvSpPr>
+          <p:cNvPr id="4" name="TextBox 3"/>
+          <p:cNvSpPr txBox="1"/>
+          <p:nvPr/>
+        </p:nvSpPr>
+        <p:spPr>
+          <a:xfrm>
+            <a:off x="3026755" y="2028818"/>
+            <a:ext cx="947369" cy="1022113"/>
+          </a:xfrm>
+          <a:prstGeom prst="rect">
+            <a:avLst/>
+          </a:prstGeom>
+          <a:ln w="19050"/>
+        </p:spPr>
+        <p:style>
+          <a:lnRef idx="2">
+            <a:schemeClr val="accent1"/>
+          </a:lnRef>
+          <a:fillRef idx="1">
+            <a:schemeClr val="lt1"/>
+          </a:fillRef>
+          <a:effectRef idx="0">
+            <a:schemeClr val="accent1"/>
+          </a:effectRef>
+          <a:fontRef idx="minor">
+            <a:schemeClr val="dk1"/>
+          </a:fontRef>
+        </p:style>
+        <p:txBody>
+          <a:bodyPr wrap="square" rtlCol="0" anchor="ctr">
+            <a:noAutofit/>
+          </a:bodyPr>
+          <a:lstStyle/>
+          <a:p>
+            <a:pPr algn="ctr"/>
+            <a:r>
+              <a:rPr lang="en-US" dirty="0" smtClean="0">
+                <a:latin typeface="Times New Roman" charset="0"/>
+                <a:ea typeface="Times New Roman" charset="0"/>
+                <a:cs typeface="Times New Roman" charset="0"/>
+              </a:rPr>
+              <a:t>A</a:t>
+            </a:r>
+            <a:endParaRPr lang="en-US" dirty="0">
+              <a:latin typeface="Times New Roman" charset="0"/>
+              <a:ea typeface="Times New Roman" charset="0"/>
+              <a:cs typeface="Times New Roman" charset="0"/>
+            </a:endParaRPr>
+          </a:p>
+        </p:txBody>
+      </p:sp>
+      <p:sp>
+        <p:nvSpPr>
+          <p:cNvPr id="5" name="TextBox 4"/>
+          <p:cNvSpPr txBox="1"/>
+          <p:nvPr/>
+        </p:nvSpPr>
+        <p:spPr>
+          <a:xfrm>
+            <a:off x="4987440" y="2028818"/>
+            <a:ext cx="947369" cy="1022113"/>
+          </a:xfrm>
+          <a:prstGeom prst="rect">
+            <a:avLst/>
+          </a:prstGeom>
+          <a:ln w="19050"/>
+        </p:spPr>
+        <p:style>
+          <a:lnRef idx="2">
+            <a:schemeClr val="accent1"/>
+          </a:lnRef>
+          <a:fillRef idx="1">
+            <a:schemeClr val="lt1"/>
+          </a:fillRef>
+          <a:effectRef idx="0">
+            <a:schemeClr val="accent1"/>
+          </a:effectRef>
+          <a:fontRef idx="minor">
+            <a:schemeClr val="dk1"/>
+          </a:fontRef>
+        </p:style>
+        <p:txBody>
+          <a:bodyPr wrap="square" rtlCol="0" anchor="ctr">
+            <a:noAutofit/>
+          </a:bodyPr>
+          <a:lstStyle/>
+          <a:p>
+            <a:pPr algn="ctr"/>
+            <a:r>
+              <a:rPr lang="en-US" dirty="0">
+                <a:latin typeface="Times New Roman" charset="0"/>
+                <a:ea typeface="Times New Roman" charset="0"/>
+                <a:cs typeface="Times New Roman" charset="0"/>
+              </a:rPr>
+              <a:t>C</a:t>
+            </a:r>
+            <a:endParaRPr lang="en-US" dirty="0">
+              <a:latin typeface="Times New Roman" charset="0"/>
+              <a:ea typeface="Times New Roman" charset="0"/>
+              <a:cs typeface="Times New Roman" charset="0"/>
+            </a:endParaRPr>
+          </a:p>
+        </p:txBody>
+      </p:sp>
+      <p:sp>
+        <p:nvSpPr>
+          <p:cNvPr id="6" name="TextBox 5"/>
+          <p:cNvSpPr txBox="1"/>
+          <p:nvPr/>
+        </p:nvSpPr>
+        <p:spPr>
+          <a:xfrm>
+            <a:off x="3026755" y="3769695"/>
+            <a:ext cx="947369" cy="1022113"/>
+          </a:xfrm>
+          <a:prstGeom prst="rect">
+            <a:avLst/>
+          </a:prstGeom>
+          <a:ln w="19050"/>
+        </p:spPr>
+        <p:style>
+          <a:lnRef idx="2">
+            <a:schemeClr val="accent1"/>
+          </a:lnRef>
+          <a:fillRef idx="1">
+            <a:schemeClr val="lt1"/>
+          </a:fillRef>
+          <a:effectRef idx="0">
+            <a:schemeClr val="accent1"/>
+          </a:effectRef>
+          <a:fontRef idx="minor">
+            <a:schemeClr val="dk1"/>
+          </a:fontRef>
+        </p:style>
+        <p:txBody>
+          <a:bodyPr wrap="square" rtlCol="0" anchor="ctr">
+            <a:noAutofit/>
+          </a:bodyPr>
+          <a:lstStyle/>
+          <a:p>
+            <a:pPr algn="ctr"/>
+            <a:r>
+              <a:rPr lang="en-US" dirty="0">
+                <a:latin typeface="Times New Roman" charset="0"/>
+                <a:ea typeface="Times New Roman" charset="0"/>
+                <a:cs typeface="Times New Roman" charset="0"/>
+              </a:rPr>
+              <a:t>B</a:t>
+            </a:r>
+            <a:endParaRPr lang="en-US" dirty="0">
+              <a:latin typeface="Times New Roman" charset="0"/>
+              <a:ea typeface="Times New Roman" charset="0"/>
+              <a:cs typeface="Times New Roman" charset="0"/>
+            </a:endParaRPr>
+          </a:p>
+        </p:txBody>
+      </p:sp>
+      <p:sp>
+        <p:nvSpPr>
+          <p:cNvPr id="7" name="TextBox 6"/>
+          <p:cNvSpPr txBox="1"/>
+          <p:nvPr/>
+        </p:nvSpPr>
+        <p:spPr>
+          <a:xfrm>
+            <a:off x="4987440" y="3769695"/>
+            <a:ext cx="947369" cy="1022113"/>
+          </a:xfrm>
+          <a:prstGeom prst="rect">
+            <a:avLst/>
+          </a:prstGeom>
+          <a:ln w="19050"/>
+        </p:spPr>
+        <p:style>
+          <a:lnRef idx="2">
+            <a:schemeClr val="accent1"/>
+          </a:lnRef>
+          <a:fillRef idx="1">
+            <a:schemeClr val="lt1"/>
+          </a:fillRef>
+          <a:effectRef idx="0">
+            <a:schemeClr val="accent1"/>
+          </a:effectRef>
+          <a:fontRef idx="minor">
+            <a:schemeClr val="dk1"/>
+          </a:fontRef>
+        </p:style>
+        <p:txBody>
+          <a:bodyPr wrap="square" rtlCol="0" anchor="ctr">
+            <a:noAutofit/>
+          </a:bodyPr>
+          <a:lstStyle/>
+          <a:p>
+            <a:pPr algn="ctr"/>
+            <a:r>
+              <a:rPr lang="en-US" dirty="0">
+                <a:latin typeface="Times New Roman" charset="0"/>
+                <a:ea typeface="Times New Roman" charset="0"/>
+                <a:cs typeface="Times New Roman" charset="0"/>
+              </a:rPr>
+              <a:t>D</a:t>
+            </a:r>
+            <a:endParaRPr lang="en-US" dirty="0">
+              <a:latin typeface="Times New Roman" charset="0"/>
+              <a:ea typeface="Times New Roman" charset="0"/>
+              <a:cs typeface="Times New Roman" charset="0"/>
+            </a:endParaRPr>
+          </a:p>
+        </p:txBody>
+      </p:sp>
+      <p:sp>
+        <p:nvSpPr>
+          <p:cNvPr id="8" name="Rectangle 7"/>
+          <p:cNvSpPr/>
+          <p:nvPr/>
+        </p:nvSpPr>
+        <p:spPr>
+          <a:xfrm>
+            <a:off x="3026755" y="2424106"/>
+            <a:ext cx="164853" cy="231170"/>
+          </a:xfrm>
+          <a:prstGeom prst="rect">
+            <a:avLst/>
+          </a:prstGeom>
+        </p:spPr>
+        <p:style>
+          <a:lnRef idx="2">
+            <a:schemeClr val="accent6">
+              <a:shade val="50000"/>
+            </a:schemeClr>
+          </a:lnRef>
+          <a:fillRef idx="1">
+            <a:schemeClr val="accent6"/>
+          </a:fillRef>
+          <a:effectRef idx="0">
+            <a:schemeClr val="accent6"/>
+          </a:effectRef>
+          <a:fontRef idx="minor">
+            <a:schemeClr val="lt1"/>
+          </a:fontRef>
+        </p:style>
+        <p:txBody>
+          <a:bodyPr rtlCol="0" anchor="ctr"/>
+          <a:lstStyle/>
+          <a:p>
+            <a:pPr algn="ctr"/>
+            <a:endParaRPr lang="en-US" dirty="0">
+              <a:latin typeface="Times New Roman" charset="0"/>
+              <a:ea typeface="Times New Roman" charset="0"/>
+              <a:cs typeface="Times New Roman" charset="0"/>
+            </a:endParaRPr>
+          </a:p>
+        </p:txBody>
+      </p:sp>
+      <p:sp>
+        <p:nvSpPr>
+          <p:cNvPr id="9" name="Rectangle 8"/>
+          <p:cNvSpPr/>
+          <p:nvPr/>
+        </p:nvSpPr>
+        <p:spPr>
+          <a:xfrm>
+            <a:off x="3026755" y="4165166"/>
+            <a:ext cx="164853" cy="231170"/>
+          </a:xfrm>
+          <a:prstGeom prst="rect">
+            <a:avLst/>
+          </a:prstGeom>
+        </p:spPr>
+        <p:style>
+          <a:lnRef idx="2">
+            <a:schemeClr val="accent6">
+              <a:shade val="50000"/>
+            </a:schemeClr>
+          </a:lnRef>
+          <a:fillRef idx="1">
+            <a:schemeClr val="accent6"/>
+          </a:fillRef>
+          <a:effectRef idx="0">
+            <a:schemeClr val="accent6"/>
+          </a:effectRef>
+          <a:fontRef idx="minor">
+            <a:schemeClr val="lt1"/>
+          </a:fontRef>
+        </p:style>
+        <p:txBody>
+          <a:bodyPr rtlCol="0" anchor="ctr"/>
+          <a:lstStyle/>
+          <a:p>
+            <a:pPr algn="ctr"/>
+            <a:endParaRPr lang="en-US" dirty="0">
+              <a:latin typeface="Times New Roman" charset="0"/>
+              <a:ea typeface="Times New Roman" charset="0"/>
+              <a:cs typeface="Times New Roman" charset="0"/>
+            </a:endParaRPr>
+          </a:p>
+        </p:txBody>
+      </p:sp>
+      <p:sp>
+        <p:nvSpPr>
+          <p:cNvPr id="10" name="Rectangle 9"/>
+          <p:cNvSpPr/>
+          <p:nvPr/>
+        </p:nvSpPr>
+        <p:spPr>
+          <a:xfrm>
+            <a:off x="3809271" y="2424106"/>
+            <a:ext cx="164853" cy="231170"/>
+          </a:xfrm>
+          <a:prstGeom prst="rect">
+            <a:avLst/>
+          </a:prstGeom>
+          <a:solidFill>
+            <a:schemeClr val="accent2"/>
+          </a:solidFill>
+        </p:spPr>
+        <p:style>
+          <a:lnRef idx="2">
+            <a:schemeClr val="accent6">
+              <a:shade val="50000"/>
+            </a:schemeClr>
+          </a:lnRef>
+          <a:fillRef idx="1">
+            <a:schemeClr val="accent6"/>
+          </a:fillRef>
+          <a:effectRef idx="0">
+            <a:schemeClr val="accent6"/>
+          </a:effectRef>
+          <a:fontRef idx="minor">
+            <a:schemeClr val="lt1"/>
+          </a:fontRef>
+        </p:style>
+        <p:txBody>
+          <a:bodyPr rtlCol="0" anchor="ctr"/>
+          <a:lstStyle/>
+          <a:p>
+            <a:pPr algn="ctr"/>
+            <a:endParaRPr lang="en-US" dirty="0">
+              <a:latin typeface="Times New Roman" charset="0"/>
+              <a:ea typeface="Times New Roman" charset="0"/>
+              <a:cs typeface="Times New Roman" charset="0"/>
+            </a:endParaRPr>
+          </a:p>
+        </p:txBody>
+      </p:sp>
+      <p:sp>
+        <p:nvSpPr>
+          <p:cNvPr id="11" name="Rectangle 10"/>
+          <p:cNvSpPr/>
+          <p:nvPr/>
+        </p:nvSpPr>
+        <p:spPr>
+          <a:xfrm>
+            <a:off x="3809271" y="3933996"/>
+            <a:ext cx="164853" cy="231170"/>
+          </a:xfrm>
+          <a:prstGeom prst="rect">
+            <a:avLst/>
+          </a:prstGeom>
+          <a:solidFill>
+            <a:schemeClr val="accent2"/>
+          </a:solidFill>
+        </p:spPr>
+        <p:style>
+          <a:lnRef idx="2">
+            <a:schemeClr val="accent6">
+              <a:shade val="50000"/>
+            </a:schemeClr>
+          </a:lnRef>
+          <a:fillRef idx="1">
+            <a:schemeClr val="accent6"/>
+          </a:fillRef>
+          <a:effectRef idx="0">
+            <a:schemeClr val="accent6"/>
+          </a:effectRef>
+          <a:fontRef idx="minor">
+            <a:schemeClr val="lt1"/>
+          </a:fontRef>
+        </p:style>
+        <p:txBody>
+          <a:bodyPr rtlCol="0" anchor="ctr"/>
+          <a:lstStyle/>
+          <a:p>
+            <a:pPr algn="ctr"/>
+            <a:endParaRPr lang="en-US" dirty="0">
+              <a:latin typeface="Times New Roman" charset="0"/>
+              <a:ea typeface="Times New Roman" charset="0"/>
+              <a:cs typeface="Times New Roman" charset="0"/>
+            </a:endParaRPr>
+          </a:p>
+        </p:txBody>
+      </p:sp>
+      <p:sp>
+        <p:nvSpPr>
+          <p:cNvPr id="12" name="Rectangle 11"/>
+          <p:cNvSpPr/>
+          <p:nvPr/>
+        </p:nvSpPr>
+        <p:spPr>
+          <a:xfrm>
+            <a:off x="3809270" y="4354292"/>
+            <a:ext cx="164853" cy="231170"/>
+          </a:xfrm>
+          <a:prstGeom prst="rect">
+            <a:avLst/>
+          </a:prstGeom>
+          <a:solidFill>
+            <a:schemeClr val="accent2"/>
+          </a:solidFill>
+        </p:spPr>
+        <p:style>
+          <a:lnRef idx="2">
+            <a:schemeClr val="accent6">
+              <a:shade val="50000"/>
+            </a:schemeClr>
+          </a:lnRef>
+          <a:fillRef idx="1">
+            <a:schemeClr val="accent6"/>
+          </a:fillRef>
+          <a:effectRef idx="0">
+            <a:schemeClr val="accent6"/>
+          </a:effectRef>
+          <a:fontRef idx="minor">
+            <a:schemeClr val="lt1"/>
+          </a:fontRef>
+        </p:style>
+        <p:txBody>
+          <a:bodyPr rtlCol="0" anchor="ctr"/>
+          <a:lstStyle/>
+          <a:p>
+            <a:pPr algn="ctr"/>
+            <a:endParaRPr lang="en-US" dirty="0">
+              <a:latin typeface="Times New Roman" charset="0"/>
+              <a:ea typeface="Times New Roman" charset="0"/>
+              <a:cs typeface="Times New Roman" charset="0"/>
+            </a:endParaRPr>
+          </a:p>
+        </p:txBody>
+      </p:sp>
+      <p:sp>
+        <p:nvSpPr>
+          <p:cNvPr id="13" name="Rectangle 12"/>
+          <p:cNvSpPr/>
+          <p:nvPr/>
+        </p:nvSpPr>
+        <p:spPr>
+          <a:xfrm>
+            <a:off x="4987440" y="2192936"/>
+            <a:ext cx="164853" cy="231170"/>
+          </a:xfrm>
+          <a:prstGeom prst="rect">
+            <a:avLst/>
+          </a:prstGeom>
+        </p:spPr>
+        <p:style>
+          <a:lnRef idx="2">
+            <a:schemeClr val="accent6">
+              <a:shade val="50000"/>
+            </a:schemeClr>
+          </a:lnRef>
+          <a:fillRef idx="1">
+            <a:schemeClr val="accent6"/>
+          </a:fillRef>
+          <a:effectRef idx="0">
+            <a:schemeClr val="accent6"/>
+          </a:effectRef>
+          <a:fontRef idx="minor">
+            <a:schemeClr val="lt1"/>
+          </a:fontRef>
+        </p:style>
+        <p:txBody>
+          <a:bodyPr rtlCol="0" anchor="ctr"/>
+          <a:lstStyle/>
+          <a:p>
+            <a:pPr algn="ctr"/>
+            <a:endParaRPr lang="en-US" dirty="0">
+              <a:latin typeface="Times New Roman" charset="0"/>
+              <a:ea typeface="Times New Roman" charset="0"/>
+              <a:cs typeface="Times New Roman" charset="0"/>
+            </a:endParaRPr>
+          </a:p>
+        </p:txBody>
+      </p:sp>
+      <p:sp>
+        <p:nvSpPr>
+          <p:cNvPr id="14" name="Rectangle 13"/>
+          <p:cNvSpPr/>
+          <p:nvPr/>
+        </p:nvSpPr>
+        <p:spPr>
+          <a:xfrm>
+            <a:off x="4992936" y="2621933"/>
+            <a:ext cx="164853" cy="231170"/>
+          </a:xfrm>
+          <a:prstGeom prst="rect">
+            <a:avLst/>
+          </a:prstGeom>
+        </p:spPr>
+        <p:style>
+          <a:lnRef idx="2">
+            <a:schemeClr val="accent6">
+              <a:shade val="50000"/>
+            </a:schemeClr>
+          </a:lnRef>
+          <a:fillRef idx="1">
+            <a:schemeClr val="accent6"/>
+          </a:fillRef>
+          <a:effectRef idx="0">
+            <a:schemeClr val="accent6"/>
+          </a:effectRef>
+          <a:fontRef idx="minor">
+            <a:schemeClr val="lt1"/>
+          </a:fontRef>
+        </p:style>
+        <p:txBody>
+          <a:bodyPr rtlCol="0" anchor="ctr"/>
+          <a:lstStyle/>
+          <a:p>
+            <a:pPr algn="ctr"/>
+            <a:endParaRPr lang="en-US" dirty="0">
+              <a:latin typeface="Times New Roman" charset="0"/>
+              <a:ea typeface="Times New Roman" charset="0"/>
+              <a:cs typeface="Times New Roman" charset="0"/>
+            </a:endParaRPr>
+          </a:p>
+        </p:txBody>
+      </p:sp>
+      <p:sp>
+        <p:nvSpPr>
+          <p:cNvPr id="15" name="Rectangle 14"/>
+          <p:cNvSpPr/>
+          <p:nvPr/>
+        </p:nvSpPr>
+        <p:spPr>
+          <a:xfrm>
+            <a:off x="5769955" y="4165166"/>
+            <a:ext cx="164853" cy="231170"/>
+          </a:xfrm>
+          <a:prstGeom prst="rect">
+            <a:avLst/>
+          </a:prstGeom>
+          <a:solidFill>
+            <a:schemeClr val="accent2"/>
+          </a:solidFill>
+        </p:spPr>
+        <p:style>
+          <a:lnRef idx="2">
+            <a:schemeClr val="accent6">
+              <a:shade val="50000"/>
+            </a:schemeClr>
+          </a:lnRef>
+          <a:fillRef idx="1">
+            <a:schemeClr val="accent6"/>
+          </a:fillRef>
+          <a:effectRef idx="0">
+            <a:schemeClr val="accent6"/>
+          </a:effectRef>
+          <a:fontRef idx="minor">
+            <a:schemeClr val="lt1"/>
+          </a:fontRef>
+        </p:style>
+        <p:txBody>
+          <a:bodyPr rtlCol="0" anchor="ctr"/>
+          <a:lstStyle/>
+          <a:p>
+            <a:pPr algn="ctr"/>
+            <a:endParaRPr lang="en-US" dirty="0">
+              <a:latin typeface="Times New Roman" charset="0"/>
+              <a:ea typeface="Times New Roman" charset="0"/>
+              <a:cs typeface="Times New Roman" charset="0"/>
+            </a:endParaRPr>
+          </a:p>
+        </p:txBody>
+      </p:sp>
+      <p:sp>
+        <p:nvSpPr>
+          <p:cNvPr id="16" name="Rectangle 15"/>
+          <p:cNvSpPr/>
+          <p:nvPr/>
+        </p:nvSpPr>
+        <p:spPr>
+          <a:xfrm>
+            <a:off x="5769957" y="2192936"/>
+            <a:ext cx="164853" cy="231170"/>
+          </a:xfrm>
+          <a:prstGeom prst="rect">
+            <a:avLst/>
+          </a:prstGeom>
+          <a:solidFill>
+            <a:schemeClr val="accent2"/>
+          </a:solidFill>
+        </p:spPr>
+        <p:style>
+          <a:lnRef idx="2">
+            <a:schemeClr val="accent6">
+              <a:shade val="50000"/>
+            </a:schemeClr>
+          </a:lnRef>
+          <a:fillRef idx="1">
+            <a:schemeClr val="accent6"/>
+          </a:fillRef>
+          <a:effectRef idx="0">
+            <a:schemeClr val="accent6"/>
+          </a:effectRef>
+          <a:fontRef idx="minor">
+            <a:schemeClr val="lt1"/>
+          </a:fontRef>
+        </p:style>
+        <p:txBody>
+          <a:bodyPr rtlCol="0" anchor="ctr"/>
+          <a:lstStyle/>
+          <a:p>
+            <a:pPr algn="ctr"/>
+            <a:endParaRPr lang="en-US" dirty="0">
+              <a:latin typeface="Times New Roman" charset="0"/>
+              <a:ea typeface="Times New Roman" charset="0"/>
+              <a:cs typeface="Times New Roman" charset="0"/>
+            </a:endParaRPr>
+          </a:p>
+        </p:txBody>
+      </p:sp>
+      <p:sp>
+        <p:nvSpPr>
+          <p:cNvPr id="17" name="Rectangle 16"/>
+          <p:cNvSpPr/>
+          <p:nvPr/>
+        </p:nvSpPr>
+        <p:spPr>
+          <a:xfrm>
+            <a:off x="5769956" y="2613232"/>
+            <a:ext cx="164853" cy="231170"/>
+          </a:xfrm>
+          <a:prstGeom prst="rect">
+            <a:avLst/>
+          </a:prstGeom>
+          <a:solidFill>
+            <a:schemeClr val="accent2"/>
+          </a:solidFill>
+        </p:spPr>
+        <p:style>
+          <a:lnRef idx="2">
+            <a:schemeClr val="accent6">
+              <a:shade val="50000"/>
+            </a:schemeClr>
+          </a:lnRef>
+          <a:fillRef idx="1">
+            <a:schemeClr val="accent6"/>
+          </a:fillRef>
+          <a:effectRef idx="0">
+            <a:schemeClr val="accent6"/>
+          </a:effectRef>
+          <a:fontRef idx="minor">
+            <a:schemeClr val="lt1"/>
+          </a:fontRef>
+        </p:style>
+        <p:txBody>
+          <a:bodyPr rtlCol="0" anchor="ctr"/>
+          <a:lstStyle/>
+          <a:p>
+            <a:pPr algn="ctr"/>
+            <a:endParaRPr lang="en-US" dirty="0">
+              <a:latin typeface="Times New Roman" charset="0"/>
+              <a:ea typeface="Times New Roman" charset="0"/>
+              <a:cs typeface="Times New Roman" charset="0"/>
+            </a:endParaRPr>
+          </a:p>
+        </p:txBody>
+      </p:sp>
+      <p:sp>
+        <p:nvSpPr>
+          <p:cNvPr id="18" name="Rectangle 17"/>
+          <p:cNvSpPr/>
+          <p:nvPr/>
+        </p:nvSpPr>
+        <p:spPr>
+          <a:xfrm>
+            <a:off x="4987439" y="4165166"/>
+            <a:ext cx="164853" cy="231170"/>
+          </a:xfrm>
+          <a:prstGeom prst="rect">
+            <a:avLst/>
+          </a:prstGeom>
+        </p:spPr>
+        <p:style>
+          <a:lnRef idx="2">
+            <a:schemeClr val="accent6">
+              <a:shade val="50000"/>
+            </a:schemeClr>
+          </a:lnRef>
+          <a:fillRef idx="1">
+            <a:schemeClr val="accent6"/>
+          </a:fillRef>
+          <a:effectRef idx="0">
+            <a:schemeClr val="accent6"/>
+          </a:effectRef>
+          <a:fontRef idx="minor">
+            <a:schemeClr val="lt1"/>
+          </a:fontRef>
+        </p:style>
+        <p:txBody>
+          <a:bodyPr rtlCol="0" anchor="ctr"/>
+          <a:lstStyle/>
+          <a:p>
+            <a:pPr algn="ctr"/>
+            <a:endParaRPr lang="en-US" dirty="0">
+              <a:latin typeface="Times New Roman" charset="0"/>
+              <a:ea typeface="Times New Roman" charset="0"/>
+              <a:cs typeface="Times New Roman" charset="0"/>
+            </a:endParaRPr>
+          </a:p>
+        </p:txBody>
+      </p:sp>
+      <p:cxnSp>
+        <p:nvCxnSpPr>
+          <p:cNvPr id="19" name="Straight Arrow Connector 18"/>
+          <p:cNvCxnSpPr/>
+          <p:nvPr/>
+        </p:nvCxnSpPr>
+        <p:spPr>
+          <a:xfrm>
+            <a:off x="2173902" y="4281853"/>
+            <a:ext cx="852853" cy="0"/>
+          </a:xfrm>
+          <a:prstGeom prst="straightConnector1">
+            <a:avLst/>
+          </a:prstGeom>
+          <a:ln>
+            <a:solidFill>
+              <a:srgbClr val="7030A0"/>
+            </a:solidFill>
+            <a:tailEnd type="triangle"/>
+          </a:ln>
+          <a:effectLst/>
+        </p:spPr>
+        <p:style>
+          <a:lnRef idx="1">
+            <a:schemeClr val="accent1"/>
+          </a:lnRef>
+          <a:fillRef idx="0">
+            <a:schemeClr val="accent1"/>
+          </a:fillRef>
+          <a:effectRef idx="0">
+            <a:schemeClr val="accent1"/>
+          </a:effectRef>
+          <a:fontRef idx="minor">
+            <a:schemeClr val="tx1"/>
+          </a:fontRef>
+        </p:style>
+      </p:cxnSp>
+      <p:cxnSp>
+        <p:nvCxnSpPr>
+          <p:cNvPr id="21" name="Straight Arrow Connector 20"/>
+          <p:cNvCxnSpPr/>
+          <p:nvPr/>
+        </p:nvCxnSpPr>
+        <p:spPr>
+          <a:xfrm>
+            <a:off x="2173902" y="2549768"/>
+            <a:ext cx="852853" cy="0"/>
+          </a:xfrm>
+          <a:prstGeom prst="straightConnector1">
+            <a:avLst/>
+          </a:prstGeom>
+          <a:ln>
+            <a:solidFill>
+              <a:srgbClr val="7030A0"/>
+            </a:solidFill>
+            <a:tailEnd type="triangle"/>
+          </a:ln>
+          <a:effectLst/>
+        </p:spPr>
+        <p:style>
+          <a:lnRef idx="1">
+            <a:schemeClr val="accent1"/>
+          </a:lnRef>
+          <a:fillRef idx="0">
+            <a:schemeClr val="accent1"/>
+          </a:fillRef>
+          <a:effectRef idx="0">
+            <a:schemeClr val="accent1"/>
+          </a:effectRef>
+          <a:fontRef idx="minor">
+            <a:schemeClr val="tx1"/>
+          </a:fontRef>
+        </p:style>
+      </p:cxnSp>
+      <p:cxnSp>
+        <p:nvCxnSpPr>
+          <p:cNvPr id="22" name="Straight Arrow Connector 21"/>
+          <p:cNvCxnSpPr/>
+          <p:nvPr/>
+        </p:nvCxnSpPr>
+        <p:spPr>
+          <a:xfrm>
+            <a:off x="5934808" y="4281853"/>
+            <a:ext cx="852853" cy="0"/>
+          </a:xfrm>
+          <a:prstGeom prst="straightConnector1">
+            <a:avLst/>
+          </a:prstGeom>
+          <a:ln>
+            <a:solidFill>
+              <a:srgbClr val="7030A0"/>
+            </a:solidFill>
+            <a:tailEnd type="triangle"/>
+          </a:ln>
+          <a:effectLst/>
+        </p:spPr>
+        <p:style>
+          <a:lnRef idx="1">
+            <a:schemeClr val="accent1"/>
+          </a:lnRef>
+          <a:fillRef idx="0">
+            <a:schemeClr val="accent1"/>
+          </a:fillRef>
+          <a:effectRef idx="0">
+            <a:schemeClr val="accent1"/>
+          </a:effectRef>
+          <a:fontRef idx="minor">
+            <a:schemeClr val="tx1"/>
+          </a:fontRef>
+        </p:style>
+      </p:cxnSp>
+      <p:cxnSp>
+        <p:nvCxnSpPr>
+          <p:cNvPr id="23" name="Straight Arrow Connector 22"/>
+          <p:cNvCxnSpPr/>
+          <p:nvPr/>
+        </p:nvCxnSpPr>
+        <p:spPr>
+          <a:xfrm>
+            <a:off x="5934808" y="2303584"/>
+            <a:ext cx="852853" cy="0"/>
+          </a:xfrm>
+          <a:prstGeom prst="straightConnector1">
+            <a:avLst/>
+          </a:prstGeom>
+          <a:ln>
+            <a:solidFill>
+              <a:srgbClr val="7030A0"/>
+            </a:solidFill>
+            <a:tailEnd type="triangle"/>
+          </a:ln>
+          <a:effectLst/>
+        </p:spPr>
+        <p:style>
+          <a:lnRef idx="1">
+            <a:schemeClr val="accent1"/>
+          </a:lnRef>
+          <a:fillRef idx="0">
+            <a:schemeClr val="accent1"/>
+          </a:fillRef>
+          <a:effectRef idx="0">
+            <a:schemeClr val="accent1"/>
+          </a:effectRef>
+          <a:fontRef idx="minor">
+            <a:schemeClr val="tx1"/>
+          </a:fontRef>
+        </p:style>
+      </p:cxnSp>
+      <p:cxnSp>
+        <p:nvCxnSpPr>
+          <p:cNvPr id="25" name="Curved Connector 24"/>
+          <p:cNvCxnSpPr>
+            <a:stCxn id="4" idx="3"/>
+            <a:endCxn id="14" idx="1"/>
+          </p:cNvCxnSpPr>
+          <p:nvPr/>
+        </p:nvCxnSpPr>
+        <p:spPr>
+          <a:xfrm>
+            <a:off x="3974124" y="2539875"/>
+            <a:ext cx="1018812" cy="197643"/>
+          </a:xfrm>
+          <a:prstGeom prst="curvedConnector3">
+            <a:avLst/>
+          </a:prstGeom>
+          <a:ln>
+            <a:solidFill>
+              <a:srgbClr val="7030A0"/>
+            </a:solidFill>
+            <a:tailEnd type="triangle"/>
+          </a:ln>
+        </p:spPr>
+        <p:style>
+          <a:lnRef idx="1">
+            <a:schemeClr val="accent1"/>
+          </a:lnRef>
+          <a:fillRef idx="0">
+            <a:schemeClr val="accent1"/>
+          </a:fillRef>
+          <a:effectRef idx="0">
+            <a:schemeClr val="accent1"/>
+          </a:effectRef>
+          <a:fontRef idx="minor">
+            <a:schemeClr val="tx1"/>
+          </a:fontRef>
+        </p:style>
+      </p:cxnSp>
+      <p:cxnSp>
+        <p:nvCxnSpPr>
+          <p:cNvPr id="26" name="Curved Connector 25"/>
+          <p:cNvCxnSpPr>
+            <a:stCxn id="11" idx="3"/>
+            <a:endCxn id="14" idx="1"/>
+          </p:cNvCxnSpPr>
+          <p:nvPr/>
+        </p:nvCxnSpPr>
+        <p:spPr>
+          <a:xfrm flipV="1">
+            <a:off x="3974124" y="2737518"/>
+            <a:ext cx="1018812" cy="1312063"/>
+          </a:xfrm>
+          <a:prstGeom prst="curvedConnector3">
+            <a:avLst>
+              <a:gd name="adj1" fmla="val 50000"/>
+            </a:avLst>
+          </a:prstGeom>
+          <a:ln>
+            <a:solidFill>
+              <a:srgbClr val="7030A0"/>
+            </a:solidFill>
+            <a:tailEnd type="triangle"/>
+          </a:ln>
+        </p:spPr>
+        <p:style>
+          <a:lnRef idx="1">
+            <a:schemeClr val="accent1"/>
+          </a:lnRef>
+          <a:fillRef idx="0">
+            <a:schemeClr val="accent1"/>
+          </a:fillRef>
+          <a:effectRef idx="0">
+            <a:schemeClr val="accent1"/>
+          </a:effectRef>
+          <a:fontRef idx="minor">
+            <a:schemeClr val="tx1"/>
+          </a:fontRef>
+        </p:style>
+      </p:cxnSp>
+      <p:cxnSp>
+        <p:nvCxnSpPr>
+          <p:cNvPr id="31" name="Curved Connector 30"/>
+          <p:cNvCxnSpPr>
+            <a:stCxn id="12" idx="3"/>
+            <a:endCxn id="18" idx="1"/>
+          </p:cNvCxnSpPr>
+          <p:nvPr/>
+        </p:nvCxnSpPr>
+        <p:spPr>
+          <a:xfrm flipV="1">
+            <a:off x="3974123" y="4280751"/>
+            <a:ext cx="1013316" cy="189126"/>
+          </a:xfrm>
+          <a:prstGeom prst="curvedConnector3">
+            <a:avLst>
+              <a:gd name="adj1" fmla="val 50000"/>
+            </a:avLst>
+          </a:prstGeom>
+          <a:ln>
+            <a:solidFill>
+              <a:srgbClr val="7030A0"/>
+            </a:solidFill>
+            <a:tailEnd type="triangle"/>
+          </a:ln>
+        </p:spPr>
+        <p:style>
+          <a:lnRef idx="1">
+            <a:schemeClr val="accent1"/>
+          </a:lnRef>
+          <a:fillRef idx="0">
+            <a:schemeClr val="accent1"/>
+          </a:fillRef>
+          <a:effectRef idx="0">
+            <a:schemeClr val="accent1"/>
+          </a:effectRef>
+          <a:fontRef idx="minor">
+            <a:schemeClr val="tx1"/>
+          </a:fontRef>
+        </p:style>
+      </p:cxnSp>
+    </p:spTree>
+    <p:extLst>
+      <p:ext uri="{BB962C8B-B14F-4D97-AF65-F5344CB8AC3E}">
+        <p14:creationId xmlns:p14="http://schemas.microsoft.com/office/powerpoint/2010/main" val="309342295"/>
+      </p:ext>
+    </p:extLst>
+  </p:cSld>
+  <p:clrMapOvr>
+    <a:masterClrMapping/>
+  </p:clrMapOvr>
+</p:sld>
+</file>
+
 <file path=ppt/theme/theme1.xml><?xml version="1.0" encoding="utf-8"?>
 <a:theme xmlns:a="http://schemas.openxmlformats.org/drawingml/2006/main" name="Office Theme">
   <a:themeElements>
